--- a/Chap-1.pptx
+++ b/Chap-1.pptx
@@ -22,6 +22,7 @@
     <p:sldId id="272" r:id="rId16"/>
     <p:sldId id="268" r:id="rId17"/>
     <p:sldId id="269" r:id="rId18"/>
+    <p:sldId id="273" r:id="rId19"/>
   </p:sldIdLst>
   <p:sldSz cx="12192000" cy="6858000"/>
   <p:notesSz cx="6858000" cy="9144000"/>
@@ -316,7 +317,7 @@
           <a:p>
             <a:fld id="{636E364E-4E35-4FBD-876E-85607C74F420}" type="datetimeFigureOut">
               <a:rPr lang="en-US" smtClean="0"/>
-              <a:t>2/20/2018</a:t>
+              <a:t>3/6/2018</a:t>
             </a:fld>
             <a:endParaRPr lang="en-US"/>
           </a:p>
@@ -654,7 +655,7 @@
           <a:p>
             <a:fld id="{636E364E-4E35-4FBD-876E-85607C74F420}" type="datetimeFigureOut">
               <a:rPr lang="en-US" smtClean="0"/>
-              <a:t>2/20/2018</a:t>
+              <a:t>3/6/2018</a:t>
             </a:fld>
             <a:endParaRPr lang="en-US"/>
           </a:p>
@@ -1055,7 +1056,7 @@
           <a:p>
             <a:fld id="{636E364E-4E35-4FBD-876E-85607C74F420}" type="datetimeFigureOut">
               <a:rPr lang="en-US" smtClean="0"/>
-              <a:t>2/20/2018</a:t>
+              <a:t>3/6/2018</a:t>
             </a:fld>
             <a:endParaRPr lang="en-US"/>
           </a:p>
@@ -1391,7 +1392,7 @@
           <a:p>
             <a:fld id="{636E364E-4E35-4FBD-876E-85607C74F420}" type="datetimeFigureOut">
               <a:rPr lang="en-US" smtClean="0"/>
-              <a:t>2/20/2018</a:t>
+              <a:t>3/6/2018</a:t>
             </a:fld>
             <a:endParaRPr lang="en-US"/>
           </a:p>
@@ -1711,7 +1712,7 @@
           <a:p>
             <a:fld id="{636E364E-4E35-4FBD-876E-85607C74F420}" type="datetimeFigureOut">
               <a:rPr lang="en-US" smtClean="0"/>
-              <a:t>2/20/2018</a:t>
+              <a:t>3/6/2018</a:t>
             </a:fld>
             <a:endParaRPr lang="en-US"/>
           </a:p>
@@ -2107,7 +2108,7 @@
           <a:p>
             <a:fld id="{636E364E-4E35-4FBD-876E-85607C74F420}" type="datetimeFigureOut">
               <a:rPr lang="en-US" smtClean="0"/>
-              <a:t>2/20/2018</a:t>
+              <a:t>3/6/2018</a:t>
             </a:fld>
             <a:endParaRPr lang="en-US"/>
           </a:p>
@@ -2364,7 +2365,7 @@
           <a:p>
             <a:fld id="{636E364E-4E35-4FBD-876E-85607C74F420}" type="datetimeFigureOut">
               <a:rPr lang="en-US" smtClean="0"/>
-              <a:t>2/20/2018</a:t>
+              <a:t>3/6/2018</a:t>
             </a:fld>
             <a:endParaRPr lang="en-US"/>
           </a:p>
@@ -2626,7 +2627,7 @@
           <a:p>
             <a:fld id="{636E364E-4E35-4FBD-876E-85607C74F420}" type="datetimeFigureOut">
               <a:rPr lang="en-US" smtClean="0"/>
-              <a:t>2/20/2018</a:t>
+              <a:t>3/6/2018</a:t>
             </a:fld>
             <a:endParaRPr lang="en-US"/>
           </a:p>
@@ -2888,7 +2889,7 @@
           <a:p>
             <a:fld id="{636E364E-4E35-4FBD-876E-85607C74F420}" type="datetimeFigureOut">
               <a:rPr lang="en-US" smtClean="0"/>
-              <a:t>2/20/2018</a:t>
+              <a:t>3/6/2018</a:t>
             </a:fld>
             <a:endParaRPr lang="en-US"/>
           </a:p>
@@ -3217,7 +3218,7 @@
           <a:p>
             <a:fld id="{636E364E-4E35-4FBD-876E-85607C74F420}" type="datetimeFigureOut">
               <a:rPr lang="en-US" smtClean="0"/>
-              <a:t>2/20/2018</a:t>
+              <a:t>3/6/2018</a:t>
             </a:fld>
             <a:endParaRPr lang="en-US"/>
           </a:p>
@@ -3540,7 +3541,7 @@
           <a:p>
             <a:fld id="{636E364E-4E35-4FBD-876E-85607C74F420}" type="datetimeFigureOut">
               <a:rPr lang="en-US" smtClean="0"/>
-              <a:t>2/20/2018</a:t>
+              <a:t>3/6/2018</a:t>
             </a:fld>
             <a:endParaRPr lang="en-US"/>
           </a:p>
@@ -4002,7 +4003,7 @@
           <a:p>
             <a:fld id="{636E364E-4E35-4FBD-876E-85607C74F420}" type="datetimeFigureOut">
               <a:rPr lang="en-US" smtClean="0"/>
-              <a:t>2/20/2018</a:t>
+              <a:t>3/6/2018</a:t>
             </a:fld>
             <a:endParaRPr lang="en-US"/>
           </a:p>
@@ -4212,7 +4213,7 @@
           <a:p>
             <a:fld id="{636E364E-4E35-4FBD-876E-85607C74F420}" type="datetimeFigureOut">
               <a:rPr lang="en-US" smtClean="0"/>
-              <a:t>2/20/2018</a:t>
+              <a:t>3/6/2018</a:t>
             </a:fld>
             <a:endParaRPr lang="en-US"/>
           </a:p>
@@ -4389,7 +4390,7 @@
           <a:p>
             <a:fld id="{636E364E-4E35-4FBD-876E-85607C74F420}" type="datetimeFigureOut">
               <a:rPr lang="en-US" smtClean="0"/>
-              <a:t>2/20/2018</a:t>
+              <a:t>3/6/2018</a:t>
             </a:fld>
             <a:endParaRPr lang="en-US"/>
           </a:p>
@@ -4722,7 +4723,7 @@
           <a:p>
             <a:fld id="{636E364E-4E35-4FBD-876E-85607C74F420}" type="datetimeFigureOut">
               <a:rPr lang="en-US" smtClean="0"/>
-              <a:t>2/20/2018</a:t>
+              <a:t>3/6/2018</a:t>
             </a:fld>
             <a:endParaRPr lang="en-US"/>
           </a:p>
@@ -5072,7 +5073,7 @@
           <a:p>
             <a:fld id="{636E364E-4E35-4FBD-876E-85607C74F420}" type="datetimeFigureOut">
               <a:rPr lang="en-US" smtClean="0"/>
-              <a:t>2/20/2018</a:t>
+              <a:t>3/6/2018</a:t>
             </a:fld>
             <a:endParaRPr lang="en-US"/>
           </a:p>
@@ -7189,7 +7190,7 @@
           <a:p>
             <a:fld id="{636E364E-4E35-4FBD-876E-85607C74F420}" type="datetimeFigureOut">
               <a:rPr lang="en-US" smtClean="0"/>
-              <a:t>2/20/2018</a:t>
+              <a:t>3/6/2018</a:t>
             </a:fld>
             <a:endParaRPr lang="en-US"/>
           </a:p>
@@ -7909,7 +7910,7 @@
             </a:pPr>
             <a:r>
               <a:rPr lang="en-US" dirty="0" smtClean="0"/>
-              <a:t>The binary alphabet: </a:t>
+              <a:t>The binary digits alphabet: </a:t>
             </a:r>
             <a:r>
               <a:rPr lang="el-GR" dirty="0" smtClean="0"/>
@@ -8026,17 +8027,8 @@
           <a:p>
             <a:r>
               <a:rPr lang="en-US" dirty="0" smtClean="0"/>
-              <a:t>Letters are the symbols in the </a:t>
-            </a:r>
-            <a:r>
-              <a:rPr lang="en-US" smtClean="0"/>
-              <a:t>set </a:t>
-            </a:r>
-            <a:r>
-              <a:rPr lang="en-US" smtClean="0"/>
-              <a:t>alphabet</a:t>
-            </a:r>
-            <a:endParaRPr lang="en-US" dirty="0" smtClean="0"/>
+              <a:t>Letters are the symbols in the set alphabet</a:t>
+            </a:r>
           </a:p>
           <a:p>
             <a:r>
@@ -8190,7 +8182,9 @@
           </a:xfrm>
         </p:spPr>
         <p:txBody>
-          <a:bodyPr/>
+          <a:bodyPr>
+            <a:normAutofit lnSpcReduction="10000"/>
+          </a:bodyPr>
           <a:lstStyle/>
           <a:p>
             <a:r>
@@ -8201,16 +8195,33 @@
           <a:p>
             <a:r>
               <a:rPr lang="en-US" dirty="0" smtClean="0"/>
-              <a:t>An empty string is a string without symbols, and is denoted by </a:t>
+              <a:t>An empty string or null string is a string without symbols, and is denoted by </a:t>
             </a:r>
             <a:r>
               <a:rPr lang="el-GR" dirty="0" smtClean="0"/>
               <a:t>λ</a:t>
             </a:r>
             <a:r>
+              <a:rPr lang="en-US" dirty="0"/>
+              <a:t> </a:t>
+            </a:r>
+            <a:r>
               <a:rPr lang="en-US" dirty="0" smtClean="0"/>
-              <a:t>.</a:t>
-            </a:r>
+              <a:t>or </a:t>
+            </a:r>
+            <a:r>
+              <a:rPr lang="el-GR" dirty="0" smtClean="0"/>
+              <a:t>Λ</a:t>
+            </a:r>
+            <a:r>
+              <a:rPr lang="en-US" dirty="0" smtClean="0"/>
+              <a:t> or </a:t>
+            </a:r>
+            <a:r>
+              <a:rPr lang="el-GR" dirty="0"/>
+              <a:t>ε</a:t>
+            </a:r>
+            <a:endParaRPr lang="en-US" dirty="0" smtClean="0"/>
           </a:p>
           <a:p>
             <a:r>
@@ -8326,6 +8337,24 @@
             <a:r>
               <a:rPr lang="en-US" dirty="0" smtClean="0"/>
               <a:t> = 6</a:t>
+            </a:r>
+          </a:p>
+          <a:p>
+            <a:pPr marL="800100" lvl="1" indent="-342900">
+              <a:buFont typeface="+mj-lt"/>
+              <a:buAutoNum type="arabicPeriod"/>
+            </a:pPr>
+            <a:r>
+              <a:rPr lang="en-US" dirty="0" smtClean="0"/>
+              <a:t>The language L of strings that does not start with a, defined over </a:t>
+            </a:r>
+            <a:r>
+              <a:rPr lang="el-GR" dirty="0"/>
+              <a:t>Σ</a:t>
+            </a:r>
+            <a:r>
+              <a:rPr lang="en-US" dirty="0" smtClean="0"/>
+              <a:t>={a, b, c} can be written as  L={b, c, ba, bb, bc, ca, cb, cc, …}  </a:t>
             </a:r>
           </a:p>
         </p:txBody>
@@ -8432,15 +8461,7 @@
             <a:pPr lvl="1"/>
             <a:r>
               <a:rPr lang="en-US" dirty="0" smtClean="0"/>
-              <a:t>Strings would be {aaa, aba, </a:t>
-            </a:r>
-            <a:r>
-              <a:rPr lang="en-US" dirty="0" err="1" smtClean="0"/>
-              <a:t>bbb</a:t>
-            </a:r>
-            <a:r>
-              <a:rPr lang="en-US" dirty="0" smtClean="0"/>
-              <a:t>, </a:t>
+              <a:t>Strings would be {aaa, aba, bbb, </a:t>
             </a:r>
             <a:r>
               <a:rPr lang="en-US" dirty="0" err="1" smtClean="0"/>
@@ -8628,15 +8649,7 @@
             </a:r>
             <a:r>
               <a:rPr lang="en-US" dirty="0" smtClean="0"/>
-              <a:t>{aa, </a:t>
-            </a:r>
-            <a:r>
-              <a:rPr lang="en-US" dirty="0" err="1" smtClean="0"/>
-              <a:t>bab</a:t>
-            </a:r>
-            <a:r>
-              <a:rPr lang="en-US" dirty="0" smtClean="0"/>
-              <a:t>} , find length of a string  </a:t>
+              <a:t>{aa, bab} , find length of a string  </a:t>
             </a:r>
             <a:r>
               <a:rPr lang="en-US" dirty="0" err="1" smtClean="0"/>
@@ -8644,23 +8657,7 @@
             </a:r>
             <a:r>
               <a:rPr lang="en-US" dirty="0" smtClean="0"/>
-              <a:t> ; (</a:t>
-            </a:r>
-            <a:r>
-              <a:rPr lang="en-US" dirty="0" err="1" smtClean="0"/>
-              <a:t>bab</a:t>
-            </a:r>
-            <a:r>
-              <a:rPr lang="en-US" dirty="0" smtClean="0"/>
-              <a:t>)(aa)(</a:t>
-            </a:r>
-            <a:r>
-              <a:rPr lang="en-US" dirty="0" err="1" smtClean="0"/>
-              <a:t>bab</a:t>
-            </a:r>
-            <a:r>
-              <a:rPr lang="en-US" dirty="0" smtClean="0"/>
-              <a:t>) has 3 length of string.</a:t>
+              <a:t> ; (bab)(aa)(bab) has 3 length of string.</a:t>
             </a:r>
           </a:p>
           <a:p>
@@ -8889,23 +8886,7 @@
                 </a:r>
                 <a:r>
                   <a:rPr lang="en-US" dirty="0" smtClean="0"/>
-                  <a:t>a,b} , if we want to list the strings in PALINDROME, we find {a, b, aa, bb, aaa, aba, </a:t>
-                </a:r>
-                <a:r>
-                  <a:rPr lang="en-US" dirty="0" err="1" smtClean="0"/>
-                  <a:t>bab</a:t>
-                </a:r>
-                <a:r>
-                  <a:rPr lang="en-US" dirty="0" smtClean="0"/>
-                  <a:t>, </a:t>
-                </a:r>
-                <a:r>
-                  <a:rPr lang="en-US" dirty="0" err="1" smtClean="0"/>
-                  <a:t>bbb</a:t>
-                </a:r>
-                <a:r>
-                  <a:rPr lang="en-US" dirty="0" smtClean="0"/>
-                  <a:t>, aaa, </a:t>
+                  <a:t>a,b} , if we want to list the strings in PALINDROME, we find {a, b, aa, bb, aaa, aba, bab, bbb, aaa, </a:t>
                 </a:r>
                 <a:r>
                   <a:rPr lang="en-US" dirty="0" err="1" smtClean="0"/>
@@ -8932,15 +8913,7 @@
                 </a:r>
                 <a:r>
                   <a:rPr lang="en-US" dirty="0" smtClean="0"/>
-                  <a:t>aaa, </a:t>
-                </a:r>
-                <a:r>
-                  <a:rPr lang="en-US" dirty="0" err="1" smtClean="0"/>
-                  <a:t>bba</a:t>
-                </a:r>
-                <a:r>
-                  <a:rPr lang="en-US" dirty="0" smtClean="0"/>
-                  <a:t>} , S = </a:t>
+                  <a:t>aaa, bba} , S = </a:t>
                 </a:r>
                 <a:r>
                   <a:rPr lang="en-US" dirty="0" err="1" smtClean="0"/>
@@ -8955,7 +8928,7 @@
                   <a:t>bbabbaaaabba</a:t>
                 </a:r>
                 <a:r>
-                  <a:rPr lang="en-US" smtClean="0"/>
+                  <a:rPr lang="en-US" dirty="0" smtClean="0"/>
                   <a:t> </a:t>
                 </a:r>
                 <a:endParaRPr lang="en-US" dirty="0"/>
@@ -9044,7 +9017,7 @@
           <a:p>
             <a:r>
               <a:rPr lang="en-US" dirty="0" smtClean="0"/>
-              <a:t>Power of an Alphabet</a:t>
+              <a:t>Length of string over n Alphabets</a:t>
             </a:r>
             <a:endParaRPr lang="en-US" dirty="0"/>
           </a:p>
@@ -9084,54 +9057,8 @@
                 </a:r>
                 <a:r>
                   <a:rPr lang="en-US" dirty="0" smtClean="0"/>
-                  <a:t> is an alphabet, we can express the set of all strings of a certain length from that alphabet by using the exponential notation:</a:t>
-                </a:r>
-              </a:p>
-              <a:p>
-                <a14:m>
-                  <m:oMath xmlns:m="http://schemas.openxmlformats.org/officeDocument/2006/math">
-                    <m:sSup>
-                      <m:sSupPr>
-                        <m:ctrlPr>
-                          <a:rPr lang="en-US" i="1" smtClean="0">
-                            <a:latin typeface="Cambria Math" panose="02040503050406030204" pitchFamily="18" charset="0"/>
-                          </a:rPr>
-                        </m:ctrlPr>
-                      </m:sSupPr>
-                      <m:e>
-                        <m:r>
-                          <m:rPr>
-                            <m:nor/>
-                          </m:rPr>
-                          <a:rPr lang="el-GR" dirty="0" smtClean="0"/>
-                          <m:t>Σ</m:t>
-                        </m:r>
-                      </m:e>
-                      <m:sup>
-                        <m:r>
-                          <a:rPr lang="en-US" b="0" i="1" smtClean="0">
-                            <a:latin typeface="Cambria Math" panose="02040503050406030204" pitchFamily="18" charset="0"/>
-                          </a:rPr>
-                          <m:t>𝑘</m:t>
-                        </m:r>
-                      </m:sup>
-                    </m:sSup>
-                  </m:oMath>
-                </a14:m>
-                <a:r>
-                  <a:rPr lang="en-US" dirty="0" smtClean="0"/>
-                  <a:t> : the set of strings of length k, each of whose is in </a:t>
-                </a:r>
-                <a:r>
-                  <a:rPr lang="el-GR" dirty="0" smtClean="0"/>
-                  <a:t>Σ</a:t>
-                </a:r>
-                <a:r>
-                  <a:rPr lang="en-US" dirty="0" smtClean="0"/>
-                  <a:t>.</a:t>
-                </a:r>
-              </a:p>
-              <a:p>
+                  <a:t> is an alphabet, we can express the set of all length of strings ‘m’ defined over alphabet of ‘n’ letters is </a:t>
+                </a:r>
                 <a14:m>
                   <m:oMath xmlns:m="http://schemas.openxmlformats.org/officeDocument/2006/math">
                     <m:sSup>
@@ -9147,71 +9074,32 @@
                           <m:rPr>
                             <m:nor/>
                           </m:rPr>
-                          <a:rPr lang="el-GR" dirty="0"/>
-                          <m:t>Σ</m:t>
+                          <a:rPr lang="en-US" b="0" i="0" smtClean="0">
+                            <a:latin typeface="Cambria Math" panose="02040503050406030204" pitchFamily="18" charset="0"/>
+                          </a:rPr>
+                          <m:t>n</m:t>
                         </m:r>
                       </m:e>
                       <m:sup>
                         <m:r>
-                          <a:rPr lang="en-US" b="0" i="1" dirty="0" smtClean="0">
+                          <m:rPr>
+                            <m:sty m:val="p"/>
+                          </m:rPr>
+                          <a:rPr lang="en-US" b="0" i="0" dirty="0" smtClean="0">
                             <a:latin typeface="Cambria Math" panose="02040503050406030204" pitchFamily="18" charset="0"/>
                           </a:rPr>
-                          <m:t>0</m:t>
+                          <m:t>m</m:t>
                         </m:r>
                       </m:sup>
                     </m:sSup>
                   </m:oMath>
                 </a14:m>
-                <a:r>
-                  <a:rPr lang="en-US" dirty="0" smtClean="0"/>
-                  <a:t> : {</a:t>
-                </a:r>
-                <a:r>
-                  <a:rPr lang="el-GR" dirty="0"/>
-                  <a:t>ε</a:t>
-                </a:r>
-                <a:r>
-                  <a:rPr lang="en-US" dirty="0" smtClean="0"/>
-                  <a:t>}, regardless of what alphabet </a:t>
-                </a:r>
-                <a:r>
-                  <a:rPr lang="el-GR" dirty="0" smtClean="0"/>
-                  <a:t>Σ</a:t>
-                </a:r>
-                <a:r>
-                  <a:rPr lang="en-US" dirty="0" smtClean="0"/>
-                  <a:t> is. That is </a:t>
-                </a:r>
-                <a:r>
-                  <a:rPr lang="el-GR" dirty="0" smtClean="0"/>
-                  <a:t>ε</a:t>
-                </a:r>
-                <a:r>
-                  <a:rPr lang="en-US" dirty="0" smtClean="0"/>
-                  <a:t> is the only string of length 0.</a:t>
-                </a:r>
+                <a:endParaRPr lang="en-US" dirty="0" smtClean="0"/>
               </a:p>
               <a:p>
                 <a:r>
                   <a:rPr lang="en-US" dirty="0" smtClean="0"/>
                   <a:t>Example:</a:t>
-                </a:r>
-              </a:p>
-              <a:p>
-                <a:pPr marL="457200" lvl="1" indent="0">
-                  <a:buNone/>
-                </a:pPr>
-                <a:r>
-                  <a:rPr lang="en-US" dirty="0" smtClean="0"/>
-                  <a:t>If </a:t>
-                </a:r>
-                <a:r>
-                  <a:rPr lang="el-GR" dirty="0" smtClean="0"/>
-                  <a:t>Σ</a:t>
-                </a:r>
-                <a:r>
-                  <a:rPr lang="en-US" dirty="0" smtClean="0"/>
-                  <a:t> = {0,1}, then</a:t>
                 </a:r>
               </a:p>
               <a:p>
@@ -9219,6 +9107,21 @@
                   <a:buFont typeface="+mj-lt"/>
                   <a:buAutoNum type="arabicPeriod"/>
                 </a:pPr>
+                <a:r>
+                  <a:rPr lang="en-US" dirty="0" smtClean="0"/>
+                  <a:t>If </a:t>
+                </a:r>
+                <a:r>
+                  <a:rPr lang="el-GR" dirty="0" smtClean="0"/>
+                  <a:t>Σ</a:t>
+                </a:r>
+                <a:r>
+                  <a:rPr lang="en-US" dirty="0" smtClean="0"/>
+                  <a:t> = {0,1}, then</a:t>
+                </a:r>
+              </a:p>
+              <a:p>
+                <a:pPr lvl="1"/>
                 <a14:m>
                   <m:oMath xmlns:m="http://schemas.openxmlformats.org/officeDocument/2006/math">
                     <m:sSup>
@@ -9259,10 +9162,7 @@
                 </a:r>
               </a:p>
               <a:p>
-                <a:pPr marL="800100" lvl="1" indent="-342900">
-                  <a:buFont typeface="+mj-lt"/>
-                  <a:buAutoNum type="arabicPeriod"/>
-                </a:pPr>
+                <a:pPr lvl="1"/>
                 <a14:m>
                   <m:oMath xmlns:m="http://schemas.openxmlformats.org/officeDocument/2006/math">
                     <m:sSup>
@@ -9303,10 +9203,7 @@
                 </a:r>
               </a:p>
               <a:p>
-                <a:pPr marL="800100" lvl="1" indent="-342900">
-                  <a:buFont typeface="+mj-lt"/>
-                  <a:buAutoNum type="arabicPeriod"/>
-                </a:pPr>
+                <a:pPr lvl="1"/>
                 <a14:m>
                   <m:oMath xmlns:m="http://schemas.openxmlformats.org/officeDocument/2006/math">
                     <m:sSup>
@@ -9355,73 +9252,29 @@
                 </a:r>
               </a:p>
               <a:p>
-                <a:pPr marL="400050"/>
+                <a:pPr marL="800100" lvl="1" indent="-342900">
+                  <a:buFont typeface="+mj-lt"/>
+                  <a:buAutoNum type="arabicPeriod" startAt="2"/>
+                </a:pPr>
+                <a:r>
+                  <a:rPr lang="en-US" dirty="0"/>
+                  <a:t>If </a:t>
+                </a:r>
+                <a:r>
+                  <a:rPr lang="el-GR" dirty="0"/>
+                  <a:t>Σ</a:t>
+                </a:r>
+                <a:r>
+                  <a:rPr lang="en-US" dirty="0"/>
+                  <a:t> = </a:t>
+                </a:r>
                 <a:r>
                   <a:rPr lang="en-US" dirty="0" smtClean="0"/>
-                  <a:t>Difference between </a:t>
-                </a:r>
-                <a:r>
-                  <a:rPr lang="el-GR" dirty="0"/>
-                  <a:t>Σ </a:t>
-                </a:r>
-                <a:r>
-                  <a:rPr lang="en-US" dirty="0" smtClean="0"/>
-                  <a:t>and </a:t>
-                </a:r>
-                <a14:m>
-                  <m:oMath xmlns:m="http://schemas.openxmlformats.org/officeDocument/2006/math">
-                    <m:r>
-                      <a:rPr lang="en-US" b="0" i="0" smtClean="0">
-                        <a:latin typeface="Cambria Math" panose="02040503050406030204" pitchFamily="18" charset="0"/>
-                      </a:rPr>
-                      <m:t> </m:t>
-                    </m:r>
-                    <m:sSup>
-                      <m:sSupPr>
-                        <m:ctrlPr>
-                          <a:rPr lang="en-US" i="1">
-                            <a:latin typeface="Cambria Math" panose="02040503050406030204" pitchFamily="18" charset="0"/>
-                          </a:rPr>
-                        </m:ctrlPr>
-                      </m:sSupPr>
-                      <m:e>
-                        <m:r>
-                          <m:rPr>
-                            <m:nor/>
-                          </m:rPr>
-                          <a:rPr lang="el-GR" dirty="0"/>
-                          <m:t>Σ</m:t>
-                        </m:r>
-                      </m:e>
-                      <m:sup>
-                        <m:r>
-                          <a:rPr lang="en-US" b="0" i="0" dirty="0" smtClean="0">
-                            <a:latin typeface="Cambria Math" panose="02040503050406030204" pitchFamily="18" charset="0"/>
-                          </a:rPr>
-                          <m:t>1</m:t>
-                        </m:r>
-                      </m:sup>
-                    </m:sSup>
-                  </m:oMath>
-                </a14:m>
-                <a:r>
-                  <a:rPr lang="en-US" dirty="0" smtClean="0"/>
-                  <a:t>:</a:t>
+                  <a:t>{a,b}, then</a:t>
                 </a:r>
               </a:p>
               <a:p>
-                <a:pPr marL="800100" lvl="1"/>
-                <a:r>
-                  <a:rPr lang="el-GR" dirty="0" smtClean="0"/>
-                  <a:t>Σ</a:t>
-                </a:r>
-                <a:r>
-                  <a:rPr lang="en-US" dirty="0" smtClean="0"/>
-                  <a:t> is an alphabet; its members 0 and 1 are symbols</a:t>
-                </a:r>
-              </a:p>
-              <a:p>
-                <a:pPr marL="800100" lvl="1"/>
+                <a:pPr lvl="1"/>
                 <a14:m>
                   <m:oMath xmlns:m="http://schemas.openxmlformats.org/officeDocument/2006/math">
                     <m:sSup>
@@ -9453,15 +9306,134 @@
                   </m:oMath>
                 </a14:m>
                 <a:r>
+                  <a:rPr lang="en-US" dirty="0"/>
+                  <a:t> = </a:t>
+                </a:r>
+                <a:r>
                   <a:rPr lang="en-US" dirty="0" smtClean="0"/>
-                  <a:t> is a set of strings; its members are strings (each one of length 1)</a:t>
+                  <a:t>{a,b}</a:t>
                 </a:r>
                 <a:endParaRPr lang="en-US" dirty="0"/>
               </a:p>
               <a:p>
-                <a:pPr marL="800100" lvl="1" indent="-342900">
-                  <a:buFont typeface="+mj-lt"/>
-                  <a:buAutoNum type="arabicPeriod"/>
+                <a:pPr lvl="1"/>
+                <a14:m>
+                  <m:oMath xmlns:m="http://schemas.openxmlformats.org/officeDocument/2006/math">
+                    <m:sSup>
+                      <m:sSupPr>
+                        <m:ctrlPr>
+                          <a:rPr lang="en-US" i="1">
+                            <a:latin typeface="Cambria Math" panose="02040503050406030204" pitchFamily="18" charset="0"/>
+                          </a:rPr>
+                        </m:ctrlPr>
+                      </m:sSupPr>
+                      <m:e>
+                        <m:r>
+                          <m:rPr>
+                            <m:nor/>
+                          </m:rPr>
+                          <a:rPr lang="el-GR" dirty="0"/>
+                          <m:t>Σ</m:t>
+                        </m:r>
+                      </m:e>
+                      <m:sup>
+                        <m:r>
+                          <a:rPr lang="en-US" dirty="0">
+                            <a:latin typeface="Cambria Math" panose="02040503050406030204" pitchFamily="18" charset="0"/>
+                          </a:rPr>
+                          <m:t>2</m:t>
+                        </m:r>
+                      </m:sup>
+                    </m:sSup>
+                  </m:oMath>
+                </a14:m>
+                <a:r>
+                  <a:rPr lang="en-US" dirty="0"/>
+                  <a:t> = </a:t>
+                </a:r>
+                <a:r>
+                  <a:rPr lang="en-US" dirty="0" smtClean="0"/>
+                  <a:t>{aa, ab, ba, bb}</a:t>
+                </a:r>
+                <a:endParaRPr lang="en-US" dirty="0"/>
+              </a:p>
+              <a:p>
+                <a:pPr lvl="1"/>
+                <a14:m>
+                  <m:oMath xmlns:m="http://schemas.openxmlformats.org/officeDocument/2006/math">
+                    <m:sSup>
+                      <m:sSupPr>
+                        <m:ctrlPr>
+                          <a:rPr lang="en-US" i="1">
+                            <a:latin typeface="Cambria Math" panose="02040503050406030204" pitchFamily="18" charset="0"/>
+                          </a:rPr>
+                        </m:ctrlPr>
+                      </m:sSupPr>
+                      <m:e>
+                        <m:r>
+                          <m:rPr>
+                            <m:nor/>
+                          </m:rPr>
+                          <a:rPr lang="el-GR" dirty="0"/>
+                          <m:t>Σ</m:t>
+                        </m:r>
+                      </m:e>
+                      <m:sup>
+                        <m:r>
+                          <a:rPr lang="en-US" dirty="0">
+                            <a:latin typeface="Cambria Math" panose="02040503050406030204" pitchFamily="18" charset="0"/>
+                          </a:rPr>
+                          <m:t>3</m:t>
+                        </m:r>
+                      </m:sup>
+                    </m:sSup>
+                  </m:oMath>
+                </a14:m>
+                <a:r>
+                  <a:rPr lang="en-US" dirty="0"/>
+                  <a:t> = </a:t>
+                </a:r>
+                <a:r>
+                  <a:rPr lang="en-US" dirty="0" smtClean="0"/>
+                  <a:t>{aaa, aab, aba. </a:t>
+                </a:r>
+                <a:r>
+                  <a:rPr lang="en-US" dirty="0"/>
+                  <a:t>b</a:t>
+                </a:r>
+                <a:r>
+                  <a:rPr lang="en-US" dirty="0" smtClean="0"/>
+                  <a:t>bb. </a:t>
+                </a:r>
+                <a:r>
+                  <a:rPr lang="en-US" dirty="0"/>
+                  <a:t>b</a:t>
+                </a:r>
+                <a:r>
+                  <a:rPr lang="en-US" dirty="0" smtClean="0"/>
+                  <a:t>ba. </a:t>
+                </a:r>
+                <a:r>
+                  <a:rPr lang="en-US" dirty="0"/>
+                  <a:t>b</a:t>
+                </a:r>
+                <a:r>
+                  <a:rPr lang="en-US" dirty="0" smtClean="0"/>
+                  <a:t>ab, abb, baa}</a:t>
+                </a:r>
+                <a:endParaRPr lang="en-US" dirty="0"/>
+              </a:p>
+              <a:p>
+                <a:pPr lvl="1"/>
+                <a:endParaRPr lang="en-US" dirty="0" smtClean="0"/>
+              </a:p>
+              <a:p>
+                <a:pPr lvl="1"/>
+                <a:endParaRPr lang="en-US" dirty="0" smtClean="0"/>
+              </a:p>
+              <a:p>
+                <a:pPr marL="457200" lvl="1" indent="0">
+                  <a:buNone/>
                 </a:pPr>
                 <a:endParaRPr lang="en-US" dirty="0" smtClean="0"/>
               </a:p>
@@ -9500,7 +9472,7 @@
               <a:blipFill rotWithShape="0">
                 <a:blip r:embed="rId2"/>
                 <a:stretch>
-                  <a:fillRect l="-479" t="-645" r="-274" b="-258"/>
+                  <a:fillRect l="-479" t="-645" r="-958"/>
                 </a:stretch>
               </a:blipFill>
             </p:spPr>
@@ -9565,19 +9537,19 @@
           <a:lstStyle/>
           <a:p>
             <a:r>
-              <a:rPr lang="en-US" dirty="0" err="1" smtClean="0"/>
-              <a:t>Kleen</a:t>
-            </a:r>
-            <a:r>
               <a:rPr lang="en-US" dirty="0" smtClean="0"/>
-              <a:t> star:</a:t>
+              <a:t>Kleene </a:t>
+            </a:r>
+            <a:r>
+              <a:rPr lang="en-US" dirty="0" smtClean="0"/>
+              <a:t>Star Closure:  	 </a:t>
             </a:r>
             <a:endParaRPr lang="en-US" dirty="0"/>
           </a:p>
         </p:txBody>
       </p:sp>
-      <mc:AlternateContent xmlns:mc="http://schemas.openxmlformats.org/markup-compatibility/2006" xmlns:a14="http://schemas.microsoft.com/office/drawing/2010/main">
-        <mc:Choice Requires="a14">
+      <mc:AlternateContent xmlns:mc="http://schemas.openxmlformats.org/markup-compatibility/2006">
+        <mc:Choice xmlns:a14="http://schemas.microsoft.com/office/drawing/2010/main" Requires="a14">
           <p:sp>
             <p:nvSpPr>
               <p:cNvPr id="3" name="Content Placeholder 2"/>
@@ -9591,31 +9563,53 @@
             <p:spPr>
               <a:xfrm>
                 <a:off x="2589212" y="2133600"/>
-                <a:ext cx="8936038" cy="3777622"/>
+                <a:ext cx="8936038" cy="4219074"/>
               </a:xfrm>
             </p:spPr>
             <p:txBody>
-              <a:bodyPr/>
+              <a:bodyPr>
+                <a:noAutofit/>
+              </a:bodyPr>
               <a:lstStyle/>
               <a:p>
                 <a:r>
-                  <a:rPr lang="en-US" dirty="0" smtClean="0"/>
-                  <a:t>Kleen star is the set of all strings over an alphabet </a:t>
-                </a:r>
-                <a:r>
-                  <a:rPr lang="el-GR" dirty="0" smtClean="0"/>
+                  <a:rPr lang="en-US" sz="1500" dirty="0" smtClean="0"/>
+                  <a:t>Kleene</a:t>
+                </a:r>
+                <a:r>
+                  <a:rPr lang="en-US" sz="1500" dirty="0" smtClean="0"/>
+                  <a:t> </a:t>
+                </a:r>
+                <a:r>
+                  <a:rPr lang="en-US" sz="1500" dirty="0"/>
+                  <a:t>Star Closure is </a:t>
+                </a:r>
+                <a:r>
+                  <a:rPr lang="en-US" sz="1500" dirty="0" smtClean="0"/>
+                  <a:t>the infinite set of all possible strings over an alphabet </a:t>
+                </a:r>
+                <a:r>
+                  <a:rPr lang="el-GR" sz="1500" dirty="0" smtClean="0"/>
                   <a:t>Σ</a:t>
                 </a:r>
                 <a:r>
-                  <a:rPr lang="en-US" dirty="0" smtClean="0"/>
-                  <a:t>: 					 </a:t>
+                  <a:rPr lang="en-US" sz="1500" dirty="0" smtClean="0"/>
+                  <a:t> including </a:t>
+                </a:r>
+                <a:r>
+                  <a:rPr lang="el-GR" sz="1500" dirty="0"/>
+                  <a:t>λ </a:t>
+                </a:r>
+                <a:r>
+                  <a:rPr lang="en-US" sz="1500" dirty="0" smtClean="0"/>
+                  <a:t>: 		</a:t>
                 </a:r>
                 <a14:m>
                   <m:oMath xmlns:m="http://schemas.openxmlformats.org/officeDocument/2006/math">
                     <m:sSup>
                       <m:sSupPr>
                         <m:ctrlPr>
-                          <a:rPr lang="en-US" i="1">
+                          <a:rPr lang="en-US" sz="1500" i="1">
                             <a:latin typeface="Cambria Math" panose="02040503050406030204" pitchFamily="18" charset="0"/>
                           </a:rPr>
                         </m:ctrlPr>
@@ -9625,7 +9619,7 @@
                           <m:rPr>
                             <m:nor/>
                           </m:rPr>
-                          <a:rPr lang="en-US" b="0" i="0" smtClean="0">
+                          <a:rPr lang="en-US" sz="1500" b="0" i="0" smtClean="0">
                             <a:latin typeface="Cambria Math" panose="02040503050406030204" pitchFamily="18" charset="0"/>
                           </a:rPr>
                           <m:t>{</m:t>
@@ -9634,14 +9628,14 @@
                           <m:rPr>
                             <m:nor/>
                           </m:rPr>
-                          <a:rPr lang="en-US" b="0" i="0" smtClean="0"/>
+                          <a:rPr lang="en-US" sz="1500" b="0" i="0" smtClean="0"/>
                           <m:t>0,1</m:t>
                         </m:r>
                         <m:r>
                           <m:rPr>
                             <m:nor/>
                           </m:rPr>
-                          <a:rPr lang="en-US" b="0" i="0" smtClean="0">
+                          <a:rPr lang="en-US" sz="1500" b="0" i="0" smtClean="0">
                             <a:latin typeface="Cambria Math" panose="02040503050406030204" pitchFamily="18" charset="0"/>
                           </a:rPr>
                           <m:t>}</m:t>
@@ -9649,7 +9643,7 @@
                       </m:e>
                       <m:sup>
                         <m:r>
-                          <a:rPr lang="en-US" b="0" i="0" dirty="0" smtClean="0">
+                          <a:rPr lang="en-US" sz="1500" b="0" i="0" dirty="0" smtClean="0">
                             <a:latin typeface="Cambria Math" panose="02040503050406030204" pitchFamily="18" charset="0"/>
                           </a:rPr>
                           <m:t>∗</m:t>
@@ -9659,23 +9653,31 @@
                   </m:oMath>
                 </a14:m>
                 <a:r>
-                  <a:rPr lang="en-US" dirty="0" smtClean="0"/>
+                  <a:rPr lang="en-US" sz="1500" dirty="0" smtClean="0"/>
                   <a:t> = {</a:t>
                 </a:r>
                 <a:r>
-                  <a:rPr lang="el-GR" dirty="0" smtClean="0"/>
+                  <a:rPr lang="el-GR" sz="1500" dirty="0" smtClean="0"/>
                   <a:t>€</a:t>
                 </a:r>
                 <a:r>
-                  <a:rPr lang="en-US" dirty="0" smtClean="0"/>
-                  <a:t>, 0, 1, 00, 01, 10, 11, 000, 111, 001, 101, 110, 011, …..}				</a:t>
+                  <a:rPr lang="en-US" sz="1500" dirty="0" smtClean="0"/>
+                  <a:t>, 0, 1, 00, 01, 10, 11, 000, 111, 001, 101, 110, 011, …..}						  </a:t>
+                </a:r>
+                <a:r>
+                  <a:rPr lang="en-US" sz="1500" dirty="0"/>
+                  <a:t>	</a:t>
+                </a:r>
+                <a:r>
+                  <a:rPr lang="en-US" sz="1500" dirty="0" smtClean="0"/>
+                  <a:t>Representation:  </a:t>
                 </a:r>
                 <a14:m>
                   <m:oMath xmlns:m="http://schemas.openxmlformats.org/officeDocument/2006/math">
                     <m:sSup>
                       <m:sSupPr>
                         <m:ctrlPr>
-                          <a:rPr lang="en-US" i="1">
+                          <a:rPr lang="en-US" sz="1500" i="1">
                             <a:latin typeface="Cambria Math" panose="02040503050406030204" pitchFamily="18" charset="0"/>
                           </a:rPr>
                         </m:ctrlPr>
@@ -9685,13 +9687,13 @@
                           <m:rPr>
                             <m:nor/>
                           </m:rPr>
-                          <a:rPr lang="el-GR" dirty="0"/>
+                          <a:rPr lang="el-GR" sz="1500" dirty="0"/>
                           <m:t>Σ</m:t>
                         </m:r>
                       </m:e>
                       <m:sup>
                         <m:r>
-                          <a:rPr lang="en-US" b="0" i="0" dirty="0" smtClean="0">
+                          <a:rPr lang="en-US" sz="1500" b="0" i="0" dirty="0" smtClean="0">
                             <a:latin typeface="Cambria Math" panose="02040503050406030204" pitchFamily="18" charset="0"/>
                           </a:rPr>
                           <m:t>∗</m:t>
@@ -9701,7 +9703,7 @@
                   </m:oMath>
                 </a14:m>
                 <a:r>
-                  <a:rPr lang="en-US" dirty="0" smtClean="0"/>
+                  <a:rPr lang="en-US" sz="1500" dirty="0" smtClean="0"/>
                   <a:t> = </a:t>
                 </a:r>
                 <a14:m>
@@ -9709,7 +9711,7 @@
                     <m:sSup>
                       <m:sSupPr>
                         <m:ctrlPr>
-                          <a:rPr lang="en-US" i="1">
+                          <a:rPr lang="en-US" sz="1500" i="1">
                             <a:latin typeface="Cambria Math" panose="02040503050406030204" pitchFamily="18" charset="0"/>
                           </a:rPr>
                         </m:ctrlPr>
@@ -9719,13 +9721,13 @@
                           <m:rPr>
                             <m:nor/>
                           </m:rPr>
-                          <a:rPr lang="el-GR" dirty="0"/>
+                          <a:rPr lang="el-GR" sz="1500" dirty="0"/>
                           <m:t>Σ</m:t>
                         </m:r>
                       </m:e>
                       <m:sup>
                         <m:r>
-                          <a:rPr lang="en-US" b="0" i="0" dirty="0" smtClean="0">
+                          <a:rPr lang="en-US" sz="1500" b="0" i="0" dirty="0" smtClean="0">
                             <a:latin typeface="Cambria Math" panose="02040503050406030204" pitchFamily="18" charset="0"/>
                           </a:rPr>
                           <m:t>0</m:t>
@@ -9735,7 +9737,7 @@
                   </m:oMath>
                 </a14:m>
                 <a:r>
-                  <a:rPr lang="en-US" dirty="0" smtClean="0"/>
+                  <a:rPr lang="en-US" sz="1500" dirty="0" smtClean="0"/>
                   <a:t> U </a:t>
                 </a:r>
                 <a14:m>
@@ -9743,7 +9745,7 @@
                     <m:sSup>
                       <m:sSupPr>
                         <m:ctrlPr>
-                          <a:rPr lang="en-US" i="1">
+                          <a:rPr lang="en-US" sz="1500" i="1">
                             <a:latin typeface="Cambria Math" panose="02040503050406030204" pitchFamily="18" charset="0"/>
                           </a:rPr>
                         </m:ctrlPr>
@@ -9753,13 +9755,13 @@
                           <m:rPr>
                             <m:nor/>
                           </m:rPr>
-                          <a:rPr lang="el-GR" dirty="0"/>
+                          <a:rPr lang="el-GR" sz="1500" dirty="0"/>
                           <m:t>Σ</m:t>
                         </m:r>
                       </m:e>
                       <m:sup>
                         <m:r>
-                          <a:rPr lang="en-US" dirty="0">
+                          <a:rPr lang="en-US" sz="1500" dirty="0">
                             <a:latin typeface="Cambria Math" panose="02040503050406030204" pitchFamily="18" charset="0"/>
                           </a:rPr>
                           <m:t>1</m:t>
@@ -9769,7 +9771,7 @@
                   </m:oMath>
                 </a14:m>
                 <a:r>
-                  <a:rPr lang="en-US" dirty="0" smtClean="0"/>
+                  <a:rPr lang="en-US" sz="1500" dirty="0" smtClean="0"/>
                   <a:t> U </a:t>
                 </a:r>
                 <a14:m>
@@ -9777,7 +9779,7 @@
                     <m:sSup>
                       <m:sSupPr>
                         <m:ctrlPr>
-                          <a:rPr lang="en-US" i="1">
+                          <a:rPr lang="en-US" sz="1500" i="1">
                             <a:latin typeface="Cambria Math" panose="02040503050406030204" pitchFamily="18" charset="0"/>
                           </a:rPr>
                         </m:ctrlPr>
@@ -9787,13 +9789,13 @@
                           <m:rPr>
                             <m:nor/>
                           </m:rPr>
-                          <a:rPr lang="el-GR" dirty="0"/>
+                          <a:rPr lang="el-GR" sz="1500" dirty="0"/>
                           <m:t>Σ</m:t>
                         </m:r>
                       </m:e>
                       <m:sup>
                         <m:r>
-                          <a:rPr lang="en-US" b="0" i="0" dirty="0" smtClean="0">
+                          <a:rPr lang="en-US" sz="1500" b="0" i="0" dirty="0" smtClean="0">
                             <a:latin typeface="Cambria Math" panose="02040503050406030204" pitchFamily="18" charset="0"/>
                           </a:rPr>
                           <m:t>2 </m:t>
@@ -9803,7 +9805,7 @@
                   </m:oMath>
                 </a14:m>
                 <a:r>
-                  <a:rPr lang="en-US" dirty="0" smtClean="0"/>
+                  <a:rPr lang="en-US" sz="1500" dirty="0" smtClean="0"/>
                   <a:t>U </a:t>
                 </a:r>
                 <a14:m>
@@ -9811,7 +9813,7 @@
                     <m:sSup>
                       <m:sSupPr>
                         <m:ctrlPr>
-                          <a:rPr lang="en-US" i="1">
+                          <a:rPr lang="en-US" sz="1500" i="1">
                             <a:latin typeface="Cambria Math" panose="02040503050406030204" pitchFamily="18" charset="0"/>
                           </a:rPr>
                         </m:ctrlPr>
@@ -9821,13 +9823,13 @@
                           <m:rPr>
                             <m:nor/>
                           </m:rPr>
-                          <a:rPr lang="el-GR" dirty="0"/>
+                          <a:rPr lang="el-GR" sz="1500" dirty="0"/>
                           <m:t>Σ</m:t>
                         </m:r>
                       </m:e>
                       <m:sup>
                         <m:r>
-                          <a:rPr lang="en-US" b="0" i="0" dirty="0" smtClean="0">
+                          <a:rPr lang="en-US" sz="1500" b="0" i="0" dirty="0" smtClean="0">
                             <a:latin typeface="Cambria Math" panose="02040503050406030204" pitchFamily="18" charset="0"/>
                           </a:rPr>
                           <m:t>3</m:t>
@@ -9837,13 +9839,13 @@
                   </m:oMath>
                 </a14:m>
                 <a:r>
-                  <a:rPr lang="en-US" dirty="0" smtClean="0"/>
+                  <a:rPr lang="en-US" sz="1500" dirty="0" smtClean="0"/>
                   <a:t> … </a:t>
                 </a:r>
               </a:p>
               <a:p>
                 <a:r>
-                  <a:rPr lang="en-US" dirty="0" smtClean="0"/>
+                  <a:rPr lang="en-US" sz="1500" dirty="0" smtClean="0"/>
                   <a:t>The symbol </a:t>
                 </a:r>
                 <a14:m>
@@ -9851,7 +9853,7 @@
                     <m:sSup>
                       <m:sSupPr>
                         <m:ctrlPr>
-                          <a:rPr lang="en-US" i="1">
+                          <a:rPr lang="en-US" sz="1500" i="1">
                             <a:latin typeface="Cambria Math" panose="02040503050406030204" pitchFamily="18" charset="0"/>
                           </a:rPr>
                         </m:ctrlPr>
@@ -9861,13 +9863,13 @@
                           <m:rPr>
                             <m:nor/>
                           </m:rPr>
-                          <a:rPr lang="el-GR" dirty="0"/>
+                          <a:rPr lang="el-GR" sz="1500" dirty="0"/>
                           <m:t>Σ</m:t>
                         </m:r>
                       </m:e>
                       <m:sup>
                         <m:r>
-                          <a:rPr lang="en-US" b="0" i="0" dirty="0" smtClean="0">
+                          <a:rPr lang="en-US" sz="1500" b="0" i="0" dirty="0" smtClean="0">
                             <a:latin typeface="Cambria Math" panose="02040503050406030204" pitchFamily="18" charset="0"/>
                           </a:rPr>
                           <m:t>∗</m:t>
@@ -9877,32 +9879,383 @@
                   </m:oMath>
                 </a14:m>
                 <a:r>
-                  <a:rPr lang="en-US" dirty="0" smtClean="0"/>
+                  <a:rPr lang="en-US" sz="1500" dirty="0" smtClean="0"/>
                   <a:t> is called </a:t>
                 </a:r>
                 <a:r>
-                  <a:rPr lang="en-US" dirty="0" err="1" smtClean="0"/>
-                  <a:t>Kleen</a:t>
-                </a:r>
-                <a:r>
-                  <a:rPr lang="en-US" dirty="0" smtClean="0"/>
-                  <a:t> star and is named after the mathematician and logician Stephen Cole Kleene.</a:t>
-                </a:r>
+                  <a:rPr lang="en-US" sz="1500" dirty="0"/>
+                  <a:t>Kleene Star Closure and </a:t>
+                </a:r>
+                <a:r>
+                  <a:rPr lang="en-US" sz="1500" dirty="0" smtClean="0"/>
+                  <a:t>is named after the mathematician and logician Stephen Cole Kleene.</a:t>
+                </a:r>
+              </a:p>
+              <a:p>
+                <a:r>
+                  <a:rPr lang="en-US" sz="1500" dirty="0"/>
+                  <a:t>Example:</a:t>
+                </a:r>
+              </a:p>
+              <a:p>
+                <a:pPr marL="800100" lvl="1" indent="-342900">
+                  <a:buFont typeface="+mj-lt"/>
+                  <a:buAutoNum type="arabicPeriod"/>
+                </a:pPr>
+                <a:r>
+                  <a:rPr lang="en-US" sz="1500" dirty="0"/>
+                  <a:t>If </a:t>
+                </a:r>
+                <a:r>
+                  <a:rPr lang="el-GR" sz="1500" dirty="0"/>
+                  <a:t>Σ</a:t>
+                </a:r>
+                <a:r>
+                  <a:rPr lang="en-US" sz="1500" dirty="0"/>
+                  <a:t> = {</a:t>
+                </a:r>
+                <a:r>
+                  <a:rPr lang="en-US" sz="1500" dirty="0" smtClean="0"/>
+                  <a:t>0,10}, </a:t>
+                </a:r>
+                <a:r>
+                  <a:rPr lang="en-US" sz="1500" dirty="0" smtClean="0"/>
+                  <a:t>then what would be </a:t>
+                </a:r>
+                <a14:m>
+                  <m:oMath xmlns:m="http://schemas.openxmlformats.org/officeDocument/2006/math">
+                    <m:sSup>
+                      <m:sSupPr>
+                        <m:ctrlPr>
+                          <a:rPr lang="en-US" sz="1500" i="1">
+                            <a:latin typeface="Cambria Math" panose="02040503050406030204" pitchFamily="18" charset="0"/>
+                          </a:rPr>
+                        </m:ctrlPr>
+                      </m:sSupPr>
+                      <m:e>
+                        <m:r>
+                          <m:rPr>
+                            <m:nor/>
+                          </m:rPr>
+                          <a:rPr lang="el-GR" sz="1500" dirty="0"/>
+                          <m:t>Σ</m:t>
+                        </m:r>
+                      </m:e>
+                      <m:sup>
+                        <m:r>
+                          <a:rPr lang="en-US" sz="1500" dirty="0">
+                            <a:latin typeface="Cambria Math" panose="02040503050406030204" pitchFamily="18" charset="0"/>
+                          </a:rPr>
+                          <m:t>∗</m:t>
+                        </m:r>
+                      </m:sup>
+                    </m:sSup>
+                  </m:oMath>
+                </a14:m>
+                <a:r>
+                  <a:rPr lang="en-US" sz="1500" dirty="0" smtClean="0"/>
+                  <a:t>?</a:t>
+                </a:r>
+                <a:endParaRPr lang="en-US" sz="1500" dirty="0"/>
+              </a:p>
+              <a:p>
+                <a:pPr lvl="1"/>
+                <a14:m>
+                  <m:oMath xmlns:m="http://schemas.openxmlformats.org/officeDocument/2006/math">
+                    <m:sSup>
+                      <m:sSupPr>
+                        <m:ctrlPr>
+                          <a:rPr lang="en-US" sz="1500" i="1">
+                            <a:latin typeface="Cambria Math" panose="02040503050406030204" pitchFamily="18" charset="0"/>
+                          </a:rPr>
+                        </m:ctrlPr>
+                      </m:sSupPr>
+                      <m:e>
+                        <m:r>
+                          <m:rPr>
+                            <m:nor/>
+                          </m:rPr>
+                          <a:rPr lang="el-GR" sz="1500" dirty="0"/>
+                          <m:t>Σ</m:t>
+                        </m:r>
+                      </m:e>
+                      <m:sup>
+                        <m:r>
+                          <a:rPr lang="en-US" sz="1500" dirty="0">
+                            <a:latin typeface="Cambria Math" panose="02040503050406030204" pitchFamily="18" charset="0"/>
+                          </a:rPr>
+                          <m:t>∗</m:t>
+                        </m:r>
+                      </m:sup>
+                    </m:sSup>
+                  </m:oMath>
+                </a14:m>
+                <a:r>
+                  <a:rPr lang="en-US" sz="1500" dirty="0" smtClean="0"/>
+                  <a:t> = </a:t>
+                </a:r>
+                <a:r>
+                  <a:rPr lang="en-US" sz="1500" dirty="0" smtClean="0"/>
+                  <a:t>{</a:t>
+                </a:r>
+                <a:r>
+                  <a:rPr lang="el-GR" sz="1500" dirty="0" smtClean="0"/>
+                  <a:t>λ</a:t>
+                </a:r>
+                <a:r>
+                  <a:rPr lang="en-US" sz="1500" dirty="0" smtClean="0"/>
+                  <a:t>, 0, 10, 00, 010, …………………}</a:t>
+                </a:r>
+                <a:endParaRPr lang="en-US" sz="1500" i="1" dirty="0" smtClean="0">
+                  <a:latin typeface="Cambria Math" panose="02040503050406030204" pitchFamily="18" charset="0"/>
+                </a:endParaRPr>
+              </a:p>
+              <a:p>
+                <a:pPr marL="800100" lvl="1" indent="-342900">
+                  <a:buFont typeface="+mj-lt"/>
+                  <a:buAutoNum type="arabicPeriod" startAt="2"/>
+                </a:pPr>
+                <a:r>
+                  <a:rPr lang="en-US" sz="1500" dirty="0"/>
+                  <a:t>If </a:t>
+                </a:r>
+                <a:r>
+                  <a:rPr lang="el-GR" sz="1500" dirty="0"/>
+                  <a:t>Σ</a:t>
+                </a:r>
+                <a:r>
+                  <a:rPr lang="en-US" sz="1500" dirty="0"/>
+                  <a:t> = </a:t>
+                </a:r>
+                <a:r>
+                  <a:rPr lang="en-US" sz="1500" dirty="0" smtClean="0"/>
+                  <a:t>{</a:t>
+                </a:r>
+                <a:r>
+                  <a:rPr lang="en-US" sz="1500" dirty="0"/>
+                  <a:t>x</a:t>
+                </a:r>
+                <a:r>
+                  <a:rPr lang="en-US" sz="1500" dirty="0" smtClean="0"/>
+                  <a:t>}, </a:t>
+                </a:r>
+                <a:r>
+                  <a:rPr lang="en-US" sz="1500" dirty="0"/>
+                  <a:t>then what would be </a:t>
+                </a:r>
+                <a14:m>
+                  <m:oMath xmlns:m="http://schemas.openxmlformats.org/officeDocument/2006/math">
+                    <m:sSup>
+                      <m:sSupPr>
+                        <m:ctrlPr>
+                          <a:rPr lang="en-US" sz="1500" i="1">
+                            <a:latin typeface="Cambria Math" panose="02040503050406030204" pitchFamily="18" charset="0"/>
+                          </a:rPr>
+                        </m:ctrlPr>
+                      </m:sSupPr>
+                      <m:e>
+                        <m:r>
+                          <m:rPr>
+                            <m:nor/>
+                          </m:rPr>
+                          <a:rPr lang="el-GR" sz="1500" dirty="0"/>
+                          <m:t>Σ</m:t>
+                        </m:r>
+                      </m:e>
+                      <m:sup>
+                        <m:r>
+                          <a:rPr lang="en-US" sz="1500" dirty="0">
+                            <a:latin typeface="Cambria Math" panose="02040503050406030204" pitchFamily="18" charset="0"/>
+                          </a:rPr>
+                          <m:t>∗</m:t>
+                        </m:r>
+                      </m:sup>
+                    </m:sSup>
+                  </m:oMath>
+                </a14:m>
+                <a:r>
+                  <a:rPr lang="en-US" sz="1500" dirty="0"/>
+                  <a:t>?</a:t>
+                </a:r>
+                <a:endParaRPr lang="en-US" sz="1500" dirty="0"/>
+              </a:p>
+              <a:p>
+                <a:pPr lvl="1"/>
+                <a14:m>
+                  <m:oMath xmlns:m="http://schemas.openxmlformats.org/officeDocument/2006/math">
+                    <m:sSup>
+                      <m:sSupPr>
+                        <m:ctrlPr>
+                          <a:rPr lang="en-US" sz="1500" i="1">
+                            <a:latin typeface="Cambria Math" panose="02040503050406030204" pitchFamily="18" charset="0"/>
+                          </a:rPr>
+                        </m:ctrlPr>
+                      </m:sSupPr>
+                      <m:e>
+                        <m:r>
+                          <m:rPr>
+                            <m:nor/>
+                          </m:rPr>
+                          <a:rPr lang="el-GR" sz="1500" dirty="0"/>
+                          <m:t>Σ</m:t>
+                        </m:r>
+                      </m:e>
+                      <m:sup>
+                        <m:r>
+                          <a:rPr lang="en-US" sz="1500" dirty="0">
+                            <a:latin typeface="Cambria Math" panose="02040503050406030204" pitchFamily="18" charset="0"/>
+                          </a:rPr>
+                          <m:t>∗</m:t>
+                        </m:r>
+                      </m:sup>
+                    </m:sSup>
+                  </m:oMath>
+                </a14:m>
+                <a:r>
+                  <a:rPr lang="en-US" sz="1500" dirty="0"/>
+                  <a:t> = {</a:t>
+                </a:r>
+                <a:r>
+                  <a:rPr lang="el-GR" sz="1500" dirty="0"/>
+                  <a:t>λ</a:t>
+                </a:r>
+                <a:r>
+                  <a:rPr lang="en-US" sz="1500" dirty="0"/>
+                  <a:t>, </a:t>
+                </a:r>
+                <a:r>
+                  <a:rPr lang="en-US" sz="1500" dirty="0" smtClean="0"/>
+                  <a:t>x, xx, xxx, xxxx, ……………..…}</a:t>
+                </a:r>
+                <a:endParaRPr lang="en-US" sz="1500" i="1" dirty="0">
+                  <a:latin typeface="Cambria Math" panose="02040503050406030204" pitchFamily="18" charset="0"/>
+                </a:endParaRPr>
+              </a:p>
+              <a:p>
+                <a:pPr marL="800100" lvl="1" indent="-342900">
+                  <a:buFont typeface="+mj-lt"/>
+                  <a:buAutoNum type="arabicPeriod" startAt="3"/>
+                </a:pPr>
+                <a:r>
+                  <a:rPr lang="en-US" sz="1500" dirty="0"/>
+                  <a:t>If </a:t>
+                </a:r>
+                <a:r>
+                  <a:rPr lang="el-GR" sz="1500" dirty="0"/>
+                  <a:t>Σ</a:t>
+                </a:r>
+                <a:r>
+                  <a:rPr lang="en-US" sz="1500" dirty="0"/>
+                  <a:t> = </a:t>
+                </a:r>
+                <a:r>
+                  <a:rPr lang="en-US" sz="1500" dirty="0" smtClean="0"/>
+                  <a:t>{a, b, c}, </a:t>
+                </a:r>
+                <a:r>
+                  <a:rPr lang="en-US" sz="1500" dirty="0"/>
+                  <a:t>then what would be </a:t>
+                </a:r>
+                <a14:m>
+                  <m:oMath xmlns:m="http://schemas.openxmlformats.org/officeDocument/2006/math">
+                    <m:sSup>
+                      <m:sSupPr>
+                        <m:ctrlPr>
+                          <a:rPr lang="en-US" sz="1500" i="1">
+                            <a:latin typeface="Cambria Math" panose="02040503050406030204" pitchFamily="18" charset="0"/>
+                          </a:rPr>
+                        </m:ctrlPr>
+                      </m:sSupPr>
+                      <m:e>
+                        <m:r>
+                          <m:rPr>
+                            <m:nor/>
+                          </m:rPr>
+                          <a:rPr lang="el-GR" sz="1500" dirty="0"/>
+                          <m:t>Σ</m:t>
+                        </m:r>
+                      </m:e>
+                      <m:sup>
+                        <m:r>
+                          <a:rPr lang="en-US" sz="1500" dirty="0">
+                            <a:latin typeface="Cambria Math" panose="02040503050406030204" pitchFamily="18" charset="0"/>
+                          </a:rPr>
+                          <m:t>∗</m:t>
+                        </m:r>
+                      </m:sup>
+                    </m:sSup>
+                  </m:oMath>
+                </a14:m>
+                <a:r>
+                  <a:rPr lang="en-US" sz="1500" dirty="0"/>
+                  <a:t>?</a:t>
+                </a:r>
+                <a:endParaRPr lang="en-US" sz="1500" dirty="0"/>
+              </a:p>
+              <a:p>
+                <a:pPr lvl="1"/>
+                <a14:m>
+                  <m:oMath xmlns:m="http://schemas.openxmlformats.org/officeDocument/2006/math">
+                    <m:sSup>
+                      <m:sSupPr>
+                        <m:ctrlPr>
+                          <a:rPr lang="en-US" sz="1500" i="1">
+                            <a:latin typeface="Cambria Math" panose="02040503050406030204" pitchFamily="18" charset="0"/>
+                          </a:rPr>
+                        </m:ctrlPr>
+                      </m:sSupPr>
+                      <m:e>
+                        <m:r>
+                          <m:rPr>
+                            <m:nor/>
+                          </m:rPr>
+                          <a:rPr lang="el-GR" sz="1500" dirty="0"/>
+                          <m:t>Σ</m:t>
+                        </m:r>
+                      </m:e>
+                      <m:sup>
+                        <m:r>
+                          <a:rPr lang="en-US" sz="1500" dirty="0">
+                            <a:latin typeface="Cambria Math" panose="02040503050406030204" pitchFamily="18" charset="0"/>
+                          </a:rPr>
+                          <m:t>∗</m:t>
+                        </m:r>
+                      </m:sup>
+                    </m:sSup>
+                  </m:oMath>
+                </a14:m>
+                <a:r>
+                  <a:rPr lang="en-US" sz="1500" dirty="0"/>
+                  <a:t> = {</a:t>
+                </a:r>
+                <a:r>
+                  <a:rPr lang="el-GR" sz="1500" dirty="0"/>
+                  <a:t>λ</a:t>
+                </a:r>
+                <a:r>
+                  <a:rPr lang="en-US" sz="1500" dirty="0"/>
+                  <a:t>, </a:t>
+                </a:r>
+                <a:r>
+                  <a:rPr lang="en-US" sz="1500" dirty="0" smtClean="0"/>
+                  <a:t>a, b, c, aa, ab, ac, ba, bb, bc, ca, cb, cc, aaa…}</a:t>
+                </a:r>
+                <a:endParaRPr lang="en-US" sz="1500" dirty="0" smtClean="0"/>
               </a:p>
               <a:p>
                 <a:pPr marL="0" indent="0">
                   <a:buNone/>
                 </a:pPr>
                 <a:r>
-                  <a:rPr lang="en-US" dirty="0" smtClean="0"/>
+                  <a:rPr lang="en-US" sz="1500" dirty="0" smtClean="0"/>
                   <a:t>				</a:t>
                 </a:r>
-                <a:endParaRPr lang="en-US" dirty="0"/>
+                <a:endParaRPr lang="en-US" sz="1500" dirty="0"/>
               </a:p>
             </p:txBody>
           </p:sp>
         </mc:Choice>
-        <mc:Fallback xmlns="">
+        <mc:Fallback>
           <p:sp>
             <p:nvSpPr>
               <p:cNvPr id="3" name="Content Placeholder 2"/>
@@ -9916,12 +10269,12 @@
             <p:spPr>
               <a:xfrm>
                 <a:off x="2589212" y="2133600"/>
-                <a:ext cx="8936038" cy="3777622"/>
+                <a:ext cx="8936038" cy="4219074"/>
               </a:xfrm>
               <a:blipFill rotWithShape="0">
                 <a:blip r:embed="rId2"/>
                 <a:stretch>
-                  <a:fillRect l="-477" t="-806"/>
+                  <a:fillRect l="-273" t="-145"/>
                 </a:stretch>
               </a:blipFill>
             </p:spPr>
@@ -9944,6 +10297,918 @@
     <p:extLst>
       <p:ext uri="{BB962C8B-B14F-4D97-AF65-F5344CB8AC3E}">
         <p14:creationId xmlns:p14="http://schemas.microsoft.com/office/powerpoint/2010/main" val="4034139766"/>
+      </p:ext>
+    </p:extLst>
+  </p:cSld>
+  <p:clrMapOvr>
+    <a:masterClrMapping/>
+  </p:clrMapOvr>
+</p:sld>
+</file>
+
+<file path=ppt/slides/slide18.xml><?xml version="1.0" encoding="utf-8"?>
+<p:sld xmlns:a="http://schemas.openxmlformats.org/drawingml/2006/main" xmlns:r="http://schemas.openxmlformats.org/officeDocument/2006/relationships" xmlns:p="http://schemas.openxmlformats.org/presentationml/2006/main">
+  <p:cSld>
+    <p:spTree>
+      <p:nvGrpSpPr>
+        <p:cNvPr id="1" name=""/>
+        <p:cNvGrpSpPr/>
+        <p:nvPr/>
+      </p:nvGrpSpPr>
+      <p:grpSpPr>
+        <a:xfrm>
+          <a:off x="0" y="0"/>
+          <a:ext cx="0" cy="0"/>
+          <a:chOff x="0" y="0"/>
+          <a:chExt cx="0" cy="0"/>
+        </a:xfrm>
+      </p:grpSpPr>
+      <p:sp>
+        <p:nvSpPr>
+          <p:cNvPr id="2" name="Title 1"/>
+          <p:cNvSpPr>
+            <a:spLocks noGrp="1"/>
+          </p:cNvSpPr>
+          <p:nvPr>
+            <p:ph type="title"/>
+          </p:nvPr>
+        </p:nvSpPr>
+        <p:spPr/>
+        <p:txBody>
+          <a:bodyPr/>
+          <a:lstStyle/>
+          <a:p>
+            <a:r>
+              <a:rPr lang="en-US" dirty="0" smtClean="0"/>
+              <a:t>Kleene </a:t>
+            </a:r>
+            <a:r>
+              <a:rPr lang="en-US" dirty="0" smtClean="0"/>
+              <a:t>Positive Closure: </a:t>
+            </a:r>
+            <a:r>
+              <a:rPr lang="en-US" dirty="0" smtClean="0"/>
+              <a:t>	 	 </a:t>
+            </a:r>
+            <a:endParaRPr lang="en-US" dirty="0"/>
+          </a:p>
+        </p:txBody>
+      </p:sp>
+      <mc:AlternateContent xmlns:mc="http://schemas.openxmlformats.org/markup-compatibility/2006">
+        <mc:Choice xmlns:a14="http://schemas.microsoft.com/office/drawing/2010/main" Requires="a14">
+          <p:sp>
+            <p:nvSpPr>
+              <p:cNvPr id="3" name="Content Placeholder 2"/>
+              <p:cNvSpPr>
+                <a:spLocks noGrp="1"/>
+              </p:cNvSpPr>
+              <p:nvPr>
+                <p:ph idx="1"/>
+              </p:nvPr>
+            </p:nvSpPr>
+            <p:spPr>
+              <a:xfrm>
+                <a:off x="2589211" y="2133600"/>
+                <a:ext cx="9134215" cy="3777622"/>
+              </a:xfrm>
+            </p:spPr>
+            <p:txBody>
+              <a:bodyPr>
+                <a:noAutofit/>
+              </a:bodyPr>
+              <a:lstStyle/>
+              <a:p>
+                <a:pPr>
+                  <a:spcBef>
+                    <a:spcPts val="600"/>
+                  </a:spcBef>
+                </a:pPr>
+                <a:r>
+                  <a:rPr lang="en-US" sz="1500" dirty="0" smtClean="0"/>
+                  <a:t>Kleene </a:t>
+                </a:r>
+                <a:r>
+                  <a:rPr lang="en-US" sz="1500" dirty="0"/>
+                  <a:t>Positive Closure is </a:t>
+                </a:r>
+                <a:r>
+                  <a:rPr lang="en-US" sz="1500" dirty="0" smtClean="0"/>
+                  <a:t>the infinite set of all possible strings over an alphabet </a:t>
+                </a:r>
+                <a:r>
+                  <a:rPr lang="el-GR" sz="1500" dirty="0" smtClean="0"/>
+                  <a:t>Σ</a:t>
+                </a:r>
+                <a:r>
+                  <a:rPr lang="en-US" sz="1500" dirty="0"/>
+                  <a:t> </a:t>
+                </a:r>
+                <a:r>
+                  <a:rPr lang="en-US" sz="1500" dirty="0" smtClean="0"/>
+                  <a:t>excluding </a:t>
+                </a:r>
+                <a:r>
+                  <a:rPr lang="el-GR" sz="1500" dirty="0"/>
+                  <a:t>λ </a:t>
+                </a:r>
+                <a:r>
+                  <a:rPr lang="en-US" sz="1500" dirty="0" smtClean="0"/>
+                  <a:t>: 	</a:t>
+                </a:r>
+                <a14:m>
+                  <m:oMath xmlns:m="http://schemas.openxmlformats.org/officeDocument/2006/math">
+                    <m:sSup>
+                      <m:sSupPr>
+                        <m:ctrlPr>
+                          <a:rPr lang="en-US" sz="1500" i="1">
+                            <a:latin typeface="Cambria Math" panose="02040503050406030204" pitchFamily="18" charset="0"/>
+                          </a:rPr>
+                        </m:ctrlPr>
+                      </m:sSupPr>
+                      <m:e>
+                        <m:r>
+                          <m:rPr>
+                            <m:nor/>
+                          </m:rPr>
+                          <a:rPr lang="en-US" sz="1500" b="0" i="0" smtClean="0">
+                            <a:latin typeface="Cambria Math" panose="02040503050406030204" pitchFamily="18" charset="0"/>
+                          </a:rPr>
+                          <m:t>{</m:t>
+                        </m:r>
+                        <m:r>
+                          <m:rPr>
+                            <m:nor/>
+                          </m:rPr>
+                          <a:rPr lang="en-US" sz="1500" b="0" i="0" smtClean="0"/>
+                          <m:t>0,1</m:t>
+                        </m:r>
+                        <m:r>
+                          <m:rPr>
+                            <m:nor/>
+                          </m:rPr>
+                          <a:rPr lang="en-US" sz="1500" b="0" i="0" smtClean="0">
+                            <a:latin typeface="Cambria Math" panose="02040503050406030204" pitchFamily="18" charset="0"/>
+                          </a:rPr>
+                          <m:t>}</m:t>
+                        </m:r>
+                      </m:e>
+                      <m:sup>
+                        <m:r>
+                          <a:rPr lang="en-US" sz="1500" b="0" i="0" smtClean="0">
+                            <a:latin typeface="Cambria Math" panose="02040503050406030204" pitchFamily="18" charset="0"/>
+                          </a:rPr>
+                          <m:t>+</m:t>
+                        </m:r>
+                      </m:sup>
+                    </m:sSup>
+                  </m:oMath>
+                </a14:m>
+                <a:r>
+                  <a:rPr lang="en-US" sz="1500" dirty="0" smtClean="0"/>
+                  <a:t> = {0, 1, 00, 01, 10, 11, 000, 111, 001, 101, 110, 011, …..}						  </a:t>
+                </a:r>
+                <a:r>
+                  <a:rPr lang="en-US" sz="1500" dirty="0"/>
+                  <a:t>	</a:t>
+                </a:r>
+                <a:r>
+                  <a:rPr lang="en-US" sz="1500" dirty="0" smtClean="0"/>
+                  <a:t>Representation:  </a:t>
+                </a:r>
+                <a14:m>
+                  <m:oMath xmlns:m="http://schemas.openxmlformats.org/officeDocument/2006/math">
+                    <m:sSup>
+                      <m:sSupPr>
+                        <m:ctrlPr>
+                          <a:rPr lang="en-US" sz="1500" i="1">
+                            <a:latin typeface="Cambria Math" panose="02040503050406030204" pitchFamily="18" charset="0"/>
+                          </a:rPr>
+                        </m:ctrlPr>
+                      </m:sSupPr>
+                      <m:e>
+                        <m:r>
+                          <m:rPr>
+                            <m:nor/>
+                          </m:rPr>
+                          <a:rPr lang="el-GR" sz="1500" dirty="0"/>
+                          <m:t>Σ</m:t>
+                        </m:r>
+                      </m:e>
+                      <m:sup>
+                        <m:r>
+                          <a:rPr lang="en-US" sz="1500" b="0" i="0" dirty="0" smtClean="0">
+                            <a:latin typeface="Cambria Math" panose="02040503050406030204" pitchFamily="18" charset="0"/>
+                          </a:rPr>
+                          <m:t>+</m:t>
+                        </m:r>
+                      </m:sup>
+                    </m:sSup>
+                  </m:oMath>
+                </a14:m>
+                <a:r>
+                  <a:rPr lang="en-US" sz="1500" dirty="0" smtClean="0"/>
+                  <a:t> = </a:t>
+                </a:r>
+                <a14:m>
+                  <m:oMath xmlns:m="http://schemas.openxmlformats.org/officeDocument/2006/math">
+                    <m:sSup>
+                      <m:sSupPr>
+                        <m:ctrlPr>
+                          <a:rPr lang="en-US" sz="1500" i="1">
+                            <a:latin typeface="Cambria Math" panose="02040503050406030204" pitchFamily="18" charset="0"/>
+                          </a:rPr>
+                        </m:ctrlPr>
+                      </m:sSupPr>
+                      <m:e>
+                        <m:r>
+                          <m:rPr>
+                            <m:nor/>
+                          </m:rPr>
+                          <a:rPr lang="el-GR" sz="1500" dirty="0"/>
+                          <m:t>Σ</m:t>
+                        </m:r>
+                      </m:e>
+                      <m:sup>
+                        <m:r>
+                          <a:rPr lang="en-US" sz="1500" dirty="0">
+                            <a:latin typeface="Cambria Math" panose="02040503050406030204" pitchFamily="18" charset="0"/>
+                          </a:rPr>
+                          <m:t>1</m:t>
+                        </m:r>
+                      </m:sup>
+                    </m:sSup>
+                  </m:oMath>
+                </a14:m>
+                <a:r>
+                  <a:rPr lang="en-US" sz="1500" dirty="0" smtClean="0"/>
+                  <a:t> U </a:t>
+                </a:r>
+                <a14:m>
+                  <m:oMath xmlns:m="http://schemas.openxmlformats.org/officeDocument/2006/math">
+                    <m:sSup>
+                      <m:sSupPr>
+                        <m:ctrlPr>
+                          <a:rPr lang="en-US" sz="1500" i="1">
+                            <a:latin typeface="Cambria Math" panose="02040503050406030204" pitchFamily="18" charset="0"/>
+                          </a:rPr>
+                        </m:ctrlPr>
+                      </m:sSupPr>
+                      <m:e>
+                        <m:r>
+                          <m:rPr>
+                            <m:nor/>
+                          </m:rPr>
+                          <a:rPr lang="el-GR" sz="1500" dirty="0"/>
+                          <m:t>Σ</m:t>
+                        </m:r>
+                      </m:e>
+                      <m:sup>
+                        <m:r>
+                          <a:rPr lang="en-US" sz="1500" b="0" i="0" dirty="0" smtClean="0">
+                            <a:latin typeface="Cambria Math" panose="02040503050406030204" pitchFamily="18" charset="0"/>
+                          </a:rPr>
+                          <m:t>2 </m:t>
+                        </m:r>
+                      </m:sup>
+                    </m:sSup>
+                  </m:oMath>
+                </a14:m>
+                <a:r>
+                  <a:rPr lang="en-US" sz="1500" dirty="0" smtClean="0"/>
+                  <a:t>U </a:t>
+                </a:r>
+                <a14:m>
+                  <m:oMath xmlns:m="http://schemas.openxmlformats.org/officeDocument/2006/math">
+                    <m:sSup>
+                      <m:sSupPr>
+                        <m:ctrlPr>
+                          <a:rPr lang="en-US" sz="1500" i="1">
+                            <a:latin typeface="Cambria Math" panose="02040503050406030204" pitchFamily="18" charset="0"/>
+                          </a:rPr>
+                        </m:ctrlPr>
+                      </m:sSupPr>
+                      <m:e>
+                        <m:r>
+                          <m:rPr>
+                            <m:nor/>
+                          </m:rPr>
+                          <a:rPr lang="el-GR" sz="1500" dirty="0"/>
+                          <m:t>Σ</m:t>
+                        </m:r>
+                      </m:e>
+                      <m:sup>
+                        <m:r>
+                          <a:rPr lang="en-US" sz="1500" b="0" i="0" dirty="0" smtClean="0">
+                            <a:latin typeface="Cambria Math" panose="02040503050406030204" pitchFamily="18" charset="0"/>
+                          </a:rPr>
+                          <m:t>3</m:t>
+                        </m:r>
+                      </m:sup>
+                    </m:sSup>
+                  </m:oMath>
+                </a14:m>
+                <a:r>
+                  <a:rPr lang="en-US" sz="1500" dirty="0" smtClean="0"/>
+                  <a:t> … </a:t>
+                </a:r>
+                <a:endParaRPr lang="en-US" sz="1500" dirty="0"/>
+              </a:p>
+              <a:p>
+                <a:pPr marL="0" indent="0">
+                  <a:spcBef>
+                    <a:spcPts val="600"/>
+                  </a:spcBef>
+                  <a:buNone/>
+                </a:pPr>
+                <a:r>
+                  <a:rPr lang="en-US" sz="1500" dirty="0" smtClean="0"/>
+                  <a:t>				    </a:t>
+                </a:r>
+                <a14:m>
+                  <m:oMath xmlns:m="http://schemas.openxmlformats.org/officeDocument/2006/math">
+                    <m:sSup>
+                      <m:sSupPr>
+                        <m:ctrlPr>
+                          <a:rPr lang="en-US" sz="1500" i="1">
+                            <a:latin typeface="Cambria Math" panose="02040503050406030204" pitchFamily="18" charset="0"/>
+                          </a:rPr>
+                        </m:ctrlPr>
+                      </m:sSupPr>
+                      <m:e>
+                        <m:r>
+                          <m:rPr>
+                            <m:nor/>
+                          </m:rPr>
+                          <a:rPr lang="el-GR" sz="1500" dirty="0"/>
+                          <m:t>Σ</m:t>
+                        </m:r>
+                      </m:e>
+                      <m:sup>
+                        <m:r>
+                          <a:rPr lang="en-US" sz="1500" dirty="0">
+                            <a:latin typeface="Cambria Math" panose="02040503050406030204" pitchFamily="18" charset="0"/>
+                          </a:rPr>
+                          <m:t>+</m:t>
+                        </m:r>
+                      </m:sup>
+                    </m:sSup>
+                  </m:oMath>
+                </a14:m>
+                <a:r>
+                  <a:rPr lang="en-US" sz="1500" dirty="0"/>
+                  <a:t> = </a:t>
+                </a:r>
+                <a14:m>
+                  <m:oMath xmlns:m="http://schemas.openxmlformats.org/officeDocument/2006/math">
+                    <m:sSup>
+                      <m:sSupPr>
+                        <m:ctrlPr>
+                          <a:rPr lang="en-US" sz="1500" i="1">
+                            <a:latin typeface="Cambria Math" panose="02040503050406030204" pitchFamily="18" charset="0"/>
+                          </a:rPr>
+                        </m:ctrlPr>
+                      </m:sSupPr>
+                      <m:e>
+                        <m:r>
+                          <m:rPr>
+                            <m:nor/>
+                          </m:rPr>
+                          <a:rPr lang="el-GR" sz="1500" dirty="0"/>
+                          <m:t>Σ</m:t>
+                        </m:r>
+                      </m:e>
+                      <m:sup>
+                        <m:r>
+                          <a:rPr lang="en-US" sz="1500" b="0" i="0" dirty="0" smtClean="0">
+                            <a:latin typeface="Cambria Math" panose="02040503050406030204" pitchFamily="18" charset="0"/>
+                          </a:rPr>
+                          <m:t>∗</m:t>
+                        </m:r>
+                      </m:sup>
+                    </m:sSup>
+                  </m:oMath>
+                </a14:m>
+                <a:r>
+                  <a:rPr lang="en-US" sz="1500" dirty="0"/>
+                  <a:t> </a:t>
+                </a:r>
+                <a:r>
+                  <a:rPr lang="en-US" sz="1500" dirty="0" smtClean="0"/>
+                  <a:t>- {</a:t>
+                </a:r>
+                <a:r>
+                  <a:rPr lang="el-GR" sz="1600" dirty="0"/>
+                  <a:t>λ</a:t>
+                </a:r>
+                <a:r>
+                  <a:rPr lang="en-US" sz="1500" dirty="0" smtClean="0"/>
+                  <a:t>}</a:t>
+                </a:r>
+              </a:p>
+              <a:p>
+                <a:r>
+                  <a:rPr lang="en-US" sz="1500" dirty="0" smtClean="0"/>
+                  <a:t>If S is a language that does not contain </a:t>
+                </a:r>
+                <a:r>
+                  <a:rPr lang="el-GR" sz="1600" dirty="0" smtClean="0"/>
+                  <a:t>Λ</a:t>
+                </a:r>
+                <a:r>
+                  <a:rPr lang="en-US" sz="1600" dirty="0" smtClean="0"/>
+                  <a:t> then </a:t>
+                </a:r>
+                <a14:m>
+                  <m:oMath xmlns:m="http://schemas.openxmlformats.org/officeDocument/2006/math">
+                    <m:sSup>
+                      <m:sSupPr>
+                        <m:ctrlPr>
+                          <a:rPr lang="en-US" sz="1600" i="1">
+                            <a:latin typeface="Cambria Math" panose="02040503050406030204" pitchFamily="18" charset="0"/>
+                          </a:rPr>
+                        </m:ctrlPr>
+                      </m:sSupPr>
+                      <m:e>
+                        <m:r>
+                          <m:rPr>
+                            <m:nor/>
+                          </m:rPr>
+                          <a:rPr lang="en-US" sz="1600" b="0" i="0" smtClean="0">
+                            <a:latin typeface="Cambria Math" panose="02040503050406030204" pitchFamily="18" charset="0"/>
+                          </a:rPr>
+                          <m:t>S</m:t>
+                        </m:r>
+                      </m:e>
+                      <m:sup>
+                        <m:r>
+                          <a:rPr lang="en-US" sz="1600" dirty="0">
+                            <a:latin typeface="Cambria Math" panose="02040503050406030204" pitchFamily="18" charset="0"/>
+                          </a:rPr>
+                          <m:t>+</m:t>
+                        </m:r>
+                      </m:sup>
+                    </m:sSup>
+                  </m:oMath>
+                </a14:m>
+                <a:r>
+                  <a:rPr lang="en-US" sz="1500" dirty="0" smtClean="0"/>
+                  <a:t> is the language </a:t>
+                </a:r>
+                <a14:m>
+                  <m:oMath xmlns:m="http://schemas.openxmlformats.org/officeDocument/2006/math">
+                    <m:sSup>
+                      <m:sSupPr>
+                        <m:ctrlPr>
+                          <a:rPr lang="en-US" sz="1600" i="1">
+                            <a:latin typeface="Cambria Math" panose="02040503050406030204" pitchFamily="18" charset="0"/>
+                          </a:rPr>
+                        </m:ctrlPr>
+                      </m:sSupPr>
+                      <m:e>
+                        <m:r>
+                          <m:rPr>
+                            <m:nor/>
+                          </m:rPr>
+                          <a:rPr lang="en-US" sz="1600" b="0" i="0" smtClean="0">
+                            <a:latin typeface="Cambria Math" panose="02040503050406030204" pitchFamily="18" charset="0"/>
+                          </a:rPr>
+                          <m:t>S</m:t>
+                        </m:r>
+                      </m:e>
+                      <m:sup>
+                        <m:r>
+                          <a:rPr lang="en-US" sz="1600" b="0" i="0" dirty="0" smtClean="0">
+                            <a:latin typeface="Cambria Math" panose="02040503050406030204" pitchFamily="18" charset="0"/>
+                          </a:rPr>
+                          <m:t>∗</m:t>
+                        </m:r>
+                      </m:sup>
+                    </m:sSup>
+                    <m:r>
+                      <a:rPr lang="en-US" sz="1600" b="0" i="1" dirty="0" smtClean="0">
+                        <a:latin typeface="Cambria Math" panose="02040503050406030204" pitchFamily="18" charset="0"/>
+                      </a:rPr>
+                      <m:t> </m:t>
+                    </m:r>
+                  </m:oMath>
+                </a14:m>
+                <a:r>
+                  <a:rPr lang="en-US" sz="1500" dirty="0" smtClean="0"/>
+                  <a:t>without the null word </a:t>
+                </a:r>
+                <a:r>
+                  <a:rPr lang="el-GR" sz="1400" dirty="0" smtClean="0"/>
+                  <a:t>Λ</a:t>
+                </a:r>
+                <a:r>
+                  <a:rPr lang="en-US" sz="1400" dirty="0" smtClean="0"/>
+                  <a:t>.</a:t>
+                </a:r>
+                <a:endParaRPr lang="en-US" sz="1500" dirty="0" smtClean="0"/>
+              </a:p>
+              <a:p>
+                <a:r>
+                  <a:rPr lang="en-US" sz="1500" dirty="0" smtClean="0"/>
+                  <a:t>Example:</a:t>
+                </a:r>
+              </a:p>
+              <a:p>
+                <a:pPr marL="800100" lvl="1" indent="-342900">
+                  <a:buFont typeface="+mj-lt"/>
+                  <a:buAutoNum type="arabicPeriod"/>
+                </a:pPr>
+                <a:r>
+                  <a:rPr lang="en-US" sz="1500" dirty="0"/>
+                  <a:t>If </a:t>
+                </a:r>
+                <a:r>
+                  <a:rPr lang="el-GR" sz="1500" dirty="0"/>
+                  <a:t>Σ</a:t>
+                </a:r>
+                <a:r>
+                  <a:rPr lang="en-US" sz="1500" dirty="0"/>
+                  <a:t> = {</a:t>
+                </a:r>
+                <a:r>
+                  <a:rPr lang="en-US" sz="1500" dirty="0"/>
+                  <a:t>0,10}, then what would be </a:t>
+                </a:r>
+                <a14:m>
+                  <m:oMath xmlns:m="http://schemas.openxmlformats.org/officeDocument/2006/math">
+                    <m:sSup>
+                      <m:sSupPr>
+                        <m:ctrlPr>
+                          <a:rPr lang="en-US" sz="1500" i="1">
+                            <a:latin typeface="Cambria Math" panose="02040503050406030204" pitchFamily="18" charset="0"/>
+                          </a:rPr>
+                        </m:ctrlPr>
+                      </m:sSupPr>
+                      <m:e>
+                        <m:r>
+                          <m:rPr>
+                            <m:nor/>
+                          </m:rPr>
+                          <a:rPr lang="el-GR" sz="1500" dirty="0"/>
+                          <m:t>Σ</m:t>
+                        </m:r>
+                      </m:e>
+                      <m:sup>
+                        <m:r>
+                          <a:rPr lang="en-US" sz="1500" b="0" i="0" dirty="0" smtClean="0">
+                            <a:latin typeface="Cambria Math" panose="02040503050406030204" pitchFamily="18" charset="0"/>
+                          </a:rPr>
+                          <m:t>+</m:t>
+                        </m:r>
+                      </m:sup>
+                    </m:sSup>
+                  </m:oMath>
+                </a14:m>
+                <a:r>
+                  <a:rPr lang="en-US" sz="1500" dirty="0"/>
+                  <a:t>?</a:t>
+                </a:r>
+                <a:endParaRPr lang="en-US" sz="1500" dirty="0"/>
+              </a:p>
+              <a:p>
+                <a:pPr lvl="1"/>
+                <a14:m>
+                  <m:oMath xmlns:m="http://schemas.openxmlformats.org/officeDocument/2006/math">
+                    <m:sSup>
+                      <m:sSupPr>
+                        <m:ctrlPr>
+                          <a:rPr lang="en-US" sz="1500" i="1">
+                            <a:latin typeface="Cambria Math" panose="02040503050406030204" pitchFamily="18" charset="0"/>
+                          </a:rPr>
+                        </m:ctrlPr>
+                      </m:sSupPr>
+                      <m:e>
+                        <m:r>
+                          <m:rPr>
+                            <m:nor/>
+                          </m:rPr>
+                          <a:rPr lang="el-GR" sz="1500" dirty="0"/>
+                          <m:t>Σ</m:t>
+                        </m:r>
+                      </m:e>
+                      <m:sup>
+                        <m:r>
+                          <a:rPr lang="en-US" sz="1500" dirty="0">
+                            <a:latin typeface="Cambria Math" panose="02040503050406030204" pitchFamily="18" charset="0"/>
+                          </a:rPr>
+                          <m:t>∗</m:t>
+                        </m:r>
+                      </m:sup>
+                    </m:sSup>
+                  </m:oMath>
+                </a14:m>
+                <a:r>
+                  <a:rPr lang="en-US" sz="1500" dirty="0"/>
+                  <a:t> = </a:t>
+                </a:r>
+                <a:r>
+                  <a:rPr lang="en-US" sz="1500" dirty="0" smtClean="0"/>
+                  <a:t>{0</a:t>
+                </a:r>
+                <a:r>
+                  <a:rPr lang="en-US" sz="1500" dirty="0"/>
+                  <a:t>, 10, 00, 010, …………………}</a:t>
+                </a:r>
+                <a:endParaRPr lang="en-US" sz="1500" i="1" dirty="0">
+                  <a:latin typeface="Cambria Math" panose="02040503050406030204" pitchFamily="18" charset="0"/>
+                </a:endParaRPr>
+              </a:p>
+              <a:p>
+                <a:pPr marL="800100" lvl="1" indent="-342900">
+                  <a:buFont typeface="+mj-lt"/>
+                  <a:buAutoNum type="arabicPeriod" startAt="2"/>
+                </a:pPr>
+                <a:r>
+                  <a:rPr lang="en-US" sz="1500" dirty="0"/>
+                  <a:t>If </a:t>
+                </a:r>
+                <a:r>
+                  <a:rPr lang="el-GR" sz="1500" dirty="0"/>
+                  <a:t>Σ</a:t>
+                </a:r>
+                <a:r>
+                  <a:rPr lang="en-US" sz="1500" dirty="0"/>
+                  <a:t> = </a:t>
+                </a:r>
+                <a:r>
+                  <a:rPr lang="en-US" sz="1500" dirty="0"/>
+                  <a:t>{</a:t>
+                </a:r>
+                <a:r>
+                  <a:rPr lang="en-US" sz="1500" dirty="0"/>
+                  <a:t>x</a:t>
+                </a:r>
+                <a:r>
+                  <a:rPr lang="en-US" sz="1500" dirty="0"/>
+                  <a:t>}, </a:t>
+                </a:r>
+                <a:r>
+                  <a:rPr lang="en-US" sz="1500" dirty="0"/>
+                  <a:t>then what would be </a:t>
+                </a:r>
+                <a14:m>
+                  <m:oMath xmlns:m="http://schemas.openxmlformats.org/officeDocument/2006/math">
+                    <m:sSup>
+                      <m:sSupPr>
+                        <m:ctrlPr>
+                          <a:rPr lang="en-US" sz="1500" i="1">
+                            <a:latin typeface="Cambria Math" panose="02040503050406030204" pitchFamily="18" charset="0"/>
+                          </a:rPr>
+                        </m:ctrlPr>
+                      </m:sSupPr>
+                      <m:e>
+                        <m:r>
+                          <m:rPr>
+                            <m:nor/>
+                          </m:rPr>
+                          <a:rPr lang="el-GR" sz="1500" dirty="0"/>
+                          <m:t>Σ</m:t>
+                        </m:r>
+                      </m:e>
+                      <m:sup>
+                        <m:r>
+                          <a:rPr lang="en-US" sz="1500" b="0" i="0" dirty="0" smtClean="0">
+                            <a:latin typeface="Cambria Math" panose="02040503050406030204" pitchFamily="18" charset="0"/>
+                          </a:rPr>
+                          <m:t>+</m:t>
+                        </m:r>
+                      </m:sup>
+                    </m:sSup>
+                  </m:oMath>
+                </a14:m>
+                <a:r>
+                  <a:rPr lang="en-US" sz="1500" dirty="0"/>
+                  <a:t>?</a:t>
+                </a:r>
+              </a:p>
+              <a:p>
+                <a:pPr lvl="1"/>
+                <a14:m>
+                  <m:oMath xmlns:m="http://schemas.openxmlformats.org/officeDocument/2006/math">
+                    <m:sSup>
+                      <m:sSupPr>
+                        <m:ctrlPr>
+                          <a:rPr lang="en-US" sz="1500" i="1">
+                            <a:latin typeface="Cambria Math" panose="02040503050406030204" pitchFamily="18" charset="0"/>
+                          </a:rPr>
+                        </m:ctrlPr>
+                      </m:sSupPr>
+                      <m:e>
+                        <m:r>
+                          <m:rPr>
+                            <m:nor/>
+                          </m:rPr>
+                          <a:rPr lang="el-GR" sz="1500" dirty="0"/>
+                          <m:t>Σ</m:t>
+                        </m:r>
+                      </m:e>
+                      <m:sup>
+                        <m:r>
+                          <a:rPr lang="en-US" sz="1500" dirty="0">
+                            <a:latin typeface="Cambria Math" panose="02040503050406030204" pitchFamily="18" charset="0"/>
+                          </a:rPr>
+                          <m:t>∗</m:t>
+                        </m:r>
+                      </m:sup>
+                    </m:sSup>
+                  </m:oMath>
+                </a14:m>
+                <a:r>
+                  <a:rPr lang="en-US" sz="1500" dirty="0"/>
+                  <a:t> = </a:t>
+                </a:r>
+                <a:r>
+                  <a:rPr lang="en-US" sz="1500" dirty="0" smtClean="0"/>
+                  <a:t>{x</a:t>
+                </a:r>
+                <a:r>
+                  <a:rPr lang="en-US" sz="1500" dirty="0"/>
+                  <a:t>, xx, xxx, xxxx, ……………..…}</a:t>
+                </a:r>
+                <a:endParaRPr lang="en-US" sz="1500" i="1" dirty="0">
+                  <a:latin typeface="Cambria Math" panose="02040503050406030204" pitchFamily="18" charset="0"/>
+                </a:endParaRPr>
+              </a:p>
+              <a:p>
+                <a:pPr marL="800100" lvl="1" indent="-342900">
+                  <a:buFont typeface="+mj-lt"/>
+                  <a:buAutoNum type="arabicPeriod" startAt="3"/>
+                </a:pPr>
+                <a:r>
+                  <a:rPr lang="en-US" sz="1500" dirty="0"/>
+                  <a:t>If </a:t>
+                </a:r>
+                <a:r>
+                  <a:rPr lang="el-GR" sz="1500" dirty="0"/>
+                  <a:t>Σ</a:t>
+                </a:r>
+                <a:r>
+                  <a:rPr lang="en-US" sz="1500" dirty="0"/>
+                  <a:t> = </a:t>
+                </a:r>
+                <a:r>
+                  <a:rPr lang="en-US" sz="1500" dirty="0"/>
+                  <a:t>{a, b, c}, </a:t>
+                </a:r>
+                <a:r>
+                  <a:rPr lang="en-US" sz="1500" dirty="0"/>
+                  <a:t>then what would be </a:t>
+                </a:r>
+                <a14:m>
+                  <m:oMath xmlns:m="http://schemas.openxmlformats.org/officeDocument/2006/math">
+                    <m:sSup>
+                      <m:sSupPr>
+                        <m:ctrlPr>
+                          <a:rPr lang="en-US" sz="1500" i="1">
+                            <a:latin typeface="Cambria Math" panose="02040503050406030204" pitchFamily="18" charset="0"/>
+                          </a:rPr>
+                        </m:ctrlPr>
+                      </m:sSupPr>
+                      <m:e>
+                        <m:r>
+                          <m:rPr>
+                            <m:nor/>
+                          </m:rPr>
+                          <a:rPr lang="el-GR" sz="1500" dirty="0"/>
+                          <m:t>Σ</m:t>
+                        </m:r>
+                      </m:e>
+                      <m:sup>
+                        <m:r>
+                          <a:rPr lang="en-US" sz="1500" b="0" i="1" dirty="0" smtClean="0">
+                            <a:latin typeface="Cambria Math" panose="02040503050406030204" pitchFamily="18" charset="0"/>
+                          </a:rPr>
+                          <m:t>+</m:t>
+                        </m:r>
+                      </m:sup>
+                    </m:sSup>
+                  </m:oMath>
+                </a14:m>
+                <a:r>
+                  <a:rPr lang="en-US" sz="1500" dirty="0"/>
+                  <a:t>?</a:t>
+                </a:r>
+              </a:p>
+              <a:p>
+                <a:pPr lvl="1"/>
+                <a14:m>
+                  <m:oMath xmlns:m="http://schemas.openxmlformats.org/officeDocument/2006/math">
+                    <m:sSup>
+                      <m:sSupPr>
+                        <m:ctrlPr>
+                          <a:rPr lang="en-US" sz="1500" i="1">
+                            <a:latin typeface="Cambria Math" panose="02040503050406030204" pitchFamily="18" charset="0"/>
+                          </a:rPr>
+                        </m:ctrlPr>
+                      </m:sSupPr>
+                      <m:e>
+                        <m:r>
+                          <m:rPr>
+                            <m:nor/>
+                          </m:rPr>
+                          <a:rPr lang="el-GR" sz="1500" dirty="0"/>
+                          <m:t>Σ</m:t>
+                        </m:r>
+                      </m:e>
+                      <m:sup>
+                        <m:r>
+                          <a:rPr lang="en-US" sz="1500" dirty="0">
+                            <a:latin typeface="Cambria Math" panose="02040503050406030204" pitchFamily="18" charset="0"/>
+                          </a:rPr>
+                          <m:t>∗</m:t>
+                        </m:r>
+                      </m:sup>
+                    </m:sSup>
+                  </m:oMath>
+                </a14:m>
+                <a:r>
+                  <a:rPr lang="en-US" sz="1500" dirty="0"/>
+                  <a:t> = </a:t>
+                </a:r>
+                <a:r>
+                  <a:rPr lang="en-US" sz="1500" dirty="0" smtClean="0"/>
+                  <a:t>{a</a:t>
+                </a:r>
+                <a:r>
+                  <a:rPr lang="en-US" sz="1500" dirty="0"/>
+                  <a:t>, b, c, aa, ab, ac, ba, bb, bc, ca, cb, cc, aaa…}</a:t>
+                </a:r>
+              </a:p>
+              <a:p>
+                <a:pPr marL="0" indent="0">
+                  <a:buNone/>
+                </a:pPr>
+                <a:r>
+                  <a:rPr lang="en-US" sz="1500" dirty="0"/>
+                  <a:t>				</a:t>
+                </a:r>
+                <a:endParaRPr lang="en-US" sz="1500" dirty="0"/>
+              </a:p>
+              <a:p>
+                <a:pPr marL="0" indent="0">
+                  <a:buNone/>
+                </a:pPr>
+                <a:endParaRPr lang="en-US" sz="1500" dirty="0" smtClean="0"/>
+              </a:p>
+              <a:p>
+                <a:pPr marL="0" indent="0">
+                  <a:buNone/>
+                </a:pPr>
+                <a:r>
+                  <a:rPr lang="en-US" sz="1500" dirty="0" smtClean="0"/>
+                  <a:t>				</a:t>
+                </a:r>
+                <a:endParaRPr lang="en-US" sz="1500" dirty="0"/>
+              </a:p>
+            </p:txBody>
+          </p:sp>
+        </mc:Choice>
+        <mc:Fallback>
+          <p:sp>
+            <p:nvSpPr>
+              <p:cNvPr id="3" name="Content Placeholder 2"/>
+              <p:cNvSpPr>
+                <a:spLocks noGrp="1" noRot="1" noChangeAspect="1" noMove="1" noResize="1" noEditPoints="1" noAdjustHandles="1" noChangeArrowheads="1" noChangeShapeType="1" noTextEdit="1"/>
+              </p:cNvSpPr>
+              <p:nvPr>
+                <p:ph idx="1"/>
+              </p:nvPr>
+            </p:nvSpPr>
+            <p:spPr>
+              <a:xfrm>
+                <a:off x="2589211" y="2133600"/>
+                <a:ext cx="9134215" cy="3777622"/>
+              </a:xfrm>
+              <a:blipFill rotWithShape="0">
+                <a:blip r:embed="rId2"/>
+                <a:stretch>
+                  <a:fillRect l="-267" t="-161" r="-67" b="-8548"/>
+                </a:stretch>
+              </a:blipFill>
+            </p:spPr>
+            <p:txBody>
+              <a:bodyPr/>
+              <a:lstStyle/>
+              <a:p>
+                <a:r>
+                  <a:rPr lang="en-US">
+                    <a:noFill/>
+                  </a:rPr>
+                  <a:t> </a:t>
+                </a:r>
+              </a:p>
+            </p:txBody>
+          </p:sp>
+        </mc:Fallback>
+      </mc:AlternateContent>
+    </p:spTree>
+    <p:extLst>
+      <p:ext uri="{BB962C8B-B14F-4D97-AF65-F5344CB8AC3E}">
+        <p14:creationId xmlns:p14="http://schemas.microsoft.com/office/powerpoint/2010/main" val="262918721"/>
       </p:ext>
     </p:extLst>
   </p:cSld>
@@ -10350,6 +11615,16 @@
               <a:rPr lang="en-US" dirty="0" smtClean="0"/>
               <a:t>Generally speaking, an automaton (plural: automata) is a self-operating machine.</a:t>
             </a:r>
+          </a:p>
+          <a:p>
+            <a:r>
+              <a:rPr lang="en-US" dirty="0"/>
+              <a:t>It accepts input, produces output, may have some temporary storage, and can make decisions in transforming the input into the </a:t>
+            </a:r>
+            <a:r>
+              <a:rPr lang="en-US" dirty="0" smtClean="0"/>
+              <a:t>output.</a:t>
+            </a:r>
             <a:endParaRPr lang="en-US" dirty="0"/>
           </a:p>
         </p:txBody>
@@ -10436,7 +11711,13 @@
           <a:p>
             <a:r>
               <a:rPr lang="en-US" dirty="0" smtClean="0"/>
-              <a:t>In automata theory, we study formal languages.</a:t>
+              <a:t>In general, this theory of automata focuses on the theoretical aspect of computer science.</a:t>
+            </a:r>
+          </a:p>
+          <a:p>
+            <a:r>
+              <a:rPr lang="en-US" dirty="0" smtClean="0"/>
+              <a:t>In automata theory, we study formal languages. </a:t>
             </a:r>
             <a:endParaRPr lang="en-US" dirty="0"/>
           </a:p>
